--- a/docs/Presentations/Inservice/Kaiser OCI Inservice/kaiser_OCI_nyomogida_inservice_presentation.pptx
+++ b/docs/Presentations/Inservice/Kaiser OCI Inservice/kaiser_OCI_nyomogida_inservice_presentation.pptx
@@ -3235,32 +3235,117 @@
             <a:spLocks noGrp="1"/>
           </p:cNvSpPr>
           <p:nvPr>
-            <p:ph idx="1"/>
-          </p:nvPr>
-        </p:nvSpPr>
-        <p:spPr/>
-        <p:txBody>
-          <a:bodyPr/>
-          <a:lstStyle/>
-          <a:p>
-            <a:pPr lvl="0" indent="0" marL="0">
-              <a:spcBef>
-                <a:spcPts val="3000"/>
-              </a:spcBef>
-              <a:buNone/>
-            </a:pPr>
-            <a:r>
-              <a:rPr b="1"/>
-              <a:t>Hydration</a:t>
-            </a:r>
-          </a:p>
-          <a:p>
-            <a:pPr lvl="0" indent="0" marL="0">
-              <a:buNone/>
-            </a:pPr>
-            <a:r>
-              <a:rPr/>
-              <a:t>Drinking 16-oz of cold water can improve OH and related symptoms by expanding the plasma volume</a:t>
+            <p:ph idx="1" sz="half"/>
+          </p:nvPr>
+        </p:nvSpPr>
+        <p:spPr/>
+        <p:txBody>
+          <a:bodyPr/>
+          <a:lstStyle/>
+          <a:p>
+            <a:pPr lvl="0" indent="0" marL="0">
+              <a:buNone/>
+            </a:pPr>
+            <a:r>
+              <a:rPr/>
+              <a:t>Mechanism</a:t>
+            </a:r>
+          </a:p>
+          <a:p>
+            <a:pPr lvl="0" indent="0" marL="0">
+              <a:buNone/>
+            </a:pPr>
+            <a:r>
+              <a:rPr/>
+              <a:t>The cold water produces a </a:t>
+            </a:r>
+            <a:r>
+              <a:rPr i="1"/>
+              <a:t>pressor effect</a:t>
+            </a:r>
+            <a:r>
+              <a:rPr/>
+              <a:t>, which results in improve </a:t>
+            </a:r>
+            <a:r>
+              <a:rPr>
+                <a:hlinkClick r:id="rId2"/>
+              </a:rPr>
+              <a:t>orthostatic hypotension</a:t>
+            </a:r>
+            <a:r>
+              <a:rPr/>
+              <a:t> by increasing standing SBP by &gt;20 mmHg for ~2 hours and reducing symptoms of </a:t>
+            </a:r>
+            <a:r>
+              <a:rPr>
+                <a:hlinkClick r:id="rId3"/>
+              </a:rPr>
+              <a:t>orthostatic intolerance</a:t>
+            </a:r>
+            <a:r>
+              <a:rPr baseline="30000"/>
+              <a:t>3</a:t>
+            </a:r>
+            <a:r>
+              <a:rPr/>
+              <a:t>.</a:t>
+            </a:r>
+          </a:p>
+        </p:txBody>
+      </p:sp>
+      <p:sp>
+        <p:nvSpPr>
+          <p:cNvPr id="4" name="Content Placeholder 3"/>
+          <p:cNvSpPr>
+            <a:spLocks noGrp="1"/>
+          </p:cNvSpPr>
+          <p:nvPr>
+            <p:ph idx="2" sz="half"/>
+          </p:nvPr>
+        </p:nvSpPr>
+        <p:spPr/>
+        <p:txBody>
+          <a:bodyPr/>
+          <a:lstStyle/>
+          <a:p>
+            <a:pPr lvl="0" indent="0" marL="0">
+              <a:buNone/>
+            </a:pPr>
+            <a:r>
+              <a:rPr/>
+              <a:t>Benefits</a:t>
+            </a:r>
+          </a:p>
+          <a:p>
+            <a:pPr lvl="0"/>
+            <a:r>
+              <a:rPr/>
+              <a:t>These effects should apply within minutes</a:t>
+            </a:r>
+          </a:p>
+          <a:p>
+            <a:pPr lvl="0"/>
+            <a:r>
+              <a:rPr/>
+              <a:t>Improve standing SBP by &gt;20 mmHg</a:t>
+            </a:r>
+          </a:p>
+          <a:p>
+            <a:pPr lvl="0"/>
+            <a:r>
+              <a:rPr/>
+              <a:t>Prevent </a:t>
+            </a:r>
+            <a:r>
+              <a:rPr>
+                <a:hlinkClick r:id="rId4"/>
+              </a:rPr>
+              <a:t>orthostatic intolerance</a:t>
+            </a:r>
+            <a:r>
+              <a:rPr/>
+              <a:t> for up to 2 hours</a:t>
             </a:r>
             <a:r>
               <a:rPr baseline="30000"/>
@@ -3302,125 +3387,23 @@
             <a:spLocks noGrp="1"/>
           </p:cNvSpPr>
           <p:nvPr>
-            <p:ph idx="1" sz="half"/>
-          </p:nvPr>
-        </p:nvSpPr>
-        <p:spPr/>
-        <p:txBody>
-          <a:bodyPr/>
-          <a:lstStyle/>
-          <a:p>
-            <a:pPr lvl="0" indent="0" marL="0">
-              <a:buNone/>
-            </a:pPr>
-            <a:r>
-              <a:rPr/>
-              <a:t>Mechanism</a:t>
-            </a:r>
-          </a:p>
-          <a:p>
-            <a:pPr lvl="0" indent="0" marL="0">
-              <a:buNone/>
-            </a:pPr>
-            <a:r>
-              <a:rPr/>
-              <a:t>The cold water produces a </a:t>
-            </a:r>
-            <a:r>
-              <a:rPr i="1"/>
-              <a:t>pressor effect</a:t>
-            </a:r>
-            <a:r>
-              <a:rPr/>
-              <a:t>, which results in improve </a:t>
-            </a:r>
-            <a:r>
-              <a:rPr>
-                <a:hlinkClick r:id="rId2"/>
-              </a:rPr>
-              <a:t>orthostatic hypotension</a:t>
-            </a:r>
-            <a:r>
-              <a:rPr/>
-              <a:t> by increasing standing SBP by &gt;20 mmHg for ~2 hours and reducing symptoms of </a:t>
-            </a:r>
-            <a:r>
-              <a:rPr>
-                <a:hlinkClick r:id="rId3"/>
-              </a:rPr>
-              <a:t>orthostatic intolerance</a:t>
-            </a:r>
-            <a:r>
-              <a:rPr baseline="30000"/>
-              <a:t>3</a:t>
-            </a:r>
-            <a:r>
-              <a:rPr/>
-              <a:t>.</a:t>
-            </a:r>
-          </a:p>
-        </p:txBody>
-      </p:sp>
-      <p:sp>
-        <p:nvSpPr>
-          <p:cNvPr id="4" name="Content Placeholder 3"/>
-          <p:cNvSpPr>
-            <a:spLocks noGrp="1"/>
-          </p:cNvSpPr>
-          <p:nvPr>
-            <p:ph idx="2" sz="half"/>
-          </p:nvPr>
-        </p:nvSpPr>
-        <p:spPr/>
-        <p:txBody>
-          <a:bodyPr/>
-          <a:lstStyle/>
-          <a:p>
-            <a:pPr lvl="0" indent="0" marL="0">
-              <a:buNone/>
-            </a:pPr>
-            <a:r>
-              <a:rPr/>
-              <a:t>Benefits</a:t>
-            </a:r>
-          </a:p>
-          <a:p>
-            <a:pPr lvl="0"/>
-            <a:r>
-              <a:rPr/>
-              <a:t>These effects should apply within minutes</a:t>
-            </a:r>
-          </a:p>
-          <a:p>
-            <a:pPr lvl="0"/>
-            <a:r>
-              <a:rPr/>
-              <a:t>Improve standing SBP by &gt;20 mmHg</a:t>
-            </a:r>
-          </a:p>
-          <a:p>
-            <a:pPr lvl="0"/>
-            <a:r>
-              <a:rPr/>
-              <a:t>Prevent </a:t>
-            </a:r>
-            <a:r>
-              <a:rPr>
-                <a:hlinkClick r:id="rId4"/>
-              </a:rPr>
-              <a:t>orthostatic intolerance</a:t>
-            </a:r>
-            <a:r>
-              <a:rPr/>
-              <a:t> for up to 2 hours</a:t>
-            </a:r>
-            <a:r>
-              <a:rPr baseline="30000"/>
-              <a:t>3</a:t>
-            </a:r>
-            <a:r>
-              <a:rPr/>
-              <a:t>.</a:t>
+            <p:ph idx="1"/>
+          </p:nvPr>
+        </p:nvSpPr>
+        <p:spPr/>
+        <p:txBody>
+          <a:bodyPr/>
+          <a:lstStyle/>
+          <a:p>
+            <a:pPr lvl="0" indent="0" marL="0">
+              <a:spcBef>
+                <a:spcPts val="3000"/>
+              </a:spcBef>
+              <a:buNone/>
+            </a:pPr>
+            <a:r>
+              <a:rPr b="1"/>
+              <a:t>Caffeine / Caffeine withdrawl</a:t>
             </a:r>
           </a:p>
         </p:txBody>
@@ -3454,23 +3437,90 @@
             <a:spLocks noGrp="1"/>
           </p:cNvSpPr>
           <p:nvPr>
-            <p:ph idx="1"/>
-          </p:nvPr>
-        </p:nvSpPr>
-        <p:spPr/>
-        <p:txBody>
-          <a:bodyPr/>
-          <a:lstStyle/>
-          <a:p>
-            <a:pPr lvl="0" indent="0" marL="0">
-              <a:spcBef>
-                <a:spcPts val="3000"/>
-              </a:spcBef>
-              <a:buNone/>
-            </a:pPr>
-            <a:r>
-              <a:rPr b="1"/>
-              <a:t>Caffeine / Caffeine withdrawl</a:t>
+            <p:ph idx="1" sz="half"/>
+          </p:nvPr>
+        </p:nvSpPr>
+        <p:spPr/>
+        <p:txBody>
+          <a:bodyPr/>
+          <a:lstStyle/>
+          <a:p>
+            <a:pPr lvl="0" indent="0" marL="0">
+              <a:buNone/>
+            </a:pPr>
+            <a:r>
+              <a:rPr/>
+              <a:t>Cons</a:t>
+            </a:r>
+          </a:p>
+          <a:p>
+            <a:pPr lvl="0"/>
+            <a:r>
+              <a:rPr/>
+              <a:t>Inconsistent results</a:t>
+            </a:r>
+            <a:r>
+              <a:rPr baseline="30000"/>
+              <a:t>5</a:t>
+            </a:r>
+            <a:r>
+              <a:rPr/>
+              <a:t>.</a:t>
+            </a:r>
+          </a:p>
+          <a:p>
+            <a:pPr lvl="0"/>
+            <a:r>
+              <a:rPr/>
+              <a:t>High risk of bias</a:t>
+            </a:r>
+            <a:r>
+              <a:rPr baseline="30000"/>
+              <a:t>5</a:t>
+            </a:r>
+            <a:r>
+              <a:rPr/>
+              <a:t>.</a:t>
+            </a:r>
+          </a:p>
+        </p:txBody>
+      </p:sp>
+      <p:sp>
+        <p:nvSpPr>
+          <p:cNvPr id="4" name="Content Placeholder 3"/>
+          <p:cNvSpPr>
+            <a:spLocks noGrp="1"/>
+          </p:cNvSpPr>
+          <p:nvPr>
+            <p:ph idx="2" sz="half"/>
+          </p:nvPr>
+        </p:nvSpPr>
+        <p:spPr/>
+        <p:txBody>
+          <a:bodyPr/>
+          <a:lstStyle/>
+          <a:p>
+            <a:pPr lvl="0" indent="0" marL="0">
+              <a:buNone/>
+            </a:pPr>
+            <a:r>
+              <a:rPr/>
+              <a:t>Pros</a:t>
+            </a:r>
+          </a:p>
+          <a:p>
+            <a:pPr lvl="0"/>
+            <a:r>
+              <a:rPr/>
+              <a:t>No reported adverse events</a:t>
+            </a:r>
+            <a:r>
+              <a:rPr baseline="30000"/>
+              <a:t>5</a:t>
+            </a:r>
+            <a:r>
+              <a:rPr/>
+              <a:t>.</a:t>
             </a:r>
           </a:p>
         </p:txBody>
@@ -3504,90 +3554,23 @@
             <a:spLocks noGrp="1"/>
           </p:cNvSpPr>
           <p:nvPr>
-            <p:ph idx="1" sz="half"/>
-          </p:nvPr>
-        </p:nvSpPr>
-        <p:spPr/>
-        <p:txBody>
-          <a:bodyPr/>
-          <a:lstStyle/>
-          <a:p>
-            <a:pPr lvl="0" indent="0" marL="0">
-              <a:buNone/>
-            </a:pPr>
-            <a:r>
-              <a:rPr/>
-              <a:t>Cons</a:t>
-            </a:r>
-          </a:p>
-          <a:p>
-            <a:pPr lvl="0"/>
-            <a:r>
-              <a:rPr/>
-              <a:t>Inconsistent results</a:t>
-            </a:r>
-            <a:r>
-              <a:rPr baseline="30000"/>
-              <a:t>5</a:t>
-            </a:r>
-            <a:r>
-              <a:rPr/>
-              <a:t>.</a:t>
-            </a:r>
-          </a:p>
-          <a:p>
-            <a:pPr lvl="0"/>
-            <a:r>
-              <a:rPr/>
-              <a:t>High risk of bias</a:t>
-            </a:r>
-            <a:r>
-              <a:rPr baseline="30000"/>
-              <a:t>5</a:t>
-            </a:r>
-            <a:r>
-              <a:rPr/>
-              <a:t>.</a:t>
-            </a:r>
-          </a:p>
-        </p:txBody>
-      </p:sp>
-      <p:sp>
-        <p:nvSpPr>
-          <p:cNvPr id="4" name="Content Placeholder 3"/>
-          <p:cNvSpPr>
-            <a:spLocks noGrp="1"/>
-          </p:cNvSpPr>
-          <p:nvPr>
-            <p:ph idx="2" sz="half"/>
-          </p:nvPr>
-        </p:nvSpPr>
-        <p:spPr/>
-        <p:txBody>
-          <a:bodyPr/>
-          <a:lstStyle/>
-          <a:p>
-            <a:pPr lvl="0" indent="0" marL="0">
-              <a:buNone/>
-            </a:pPr>
-            <a:r>
-              <a:rPr/>
-              <a:t>Pros</a:t>
-            </a:r>
-          </a:p>
-          <a:p>
-            <a:pPr lvl="0"/>
-            <a:r>
-              <a:rPr/>
-              <a:t>No reported adverse events</a:t>
-            </a:r>
-            <a:r>
-              <a:rPr baseline="30000"/>
-              <a:t>5</a:t>
-            </a:r>
-            <a:r>
-              <a:rPr/>
-              <a:t>.</a:t>
+            <p:ph idx="1"/>
+          </p:nvPr>
+        </p:nvSpPr>
+        <p:spPr/>
+        <p:txBody>
+          <a:bodyPr/>
+          <a:lstStyle/>
+          <a:p>
+            <a:pPr lvl="0" indent="0" marL="0">
+              <a:spcBef>
+                <a:spcPts val="3000"/>
+              </a:spcBef>
+              <a:buNone/>
+            </a:pPr>
+            <a:r>
+              <a:rPr b="1"/>
+              <a:t>Sitting up</a:t>
             </a:r>
           </a:p>
         </p:txBody>
@@ -3621,23 +3604,113 @@
             <a:spLocks noGrp="1"/>
           </p:cNvSpPr>
           <p:nvPr>
-            <p:ph idx="1"/>
-          </p:nvPr>
-        </p:nvSpPr>
-        <p:spPr/>
-        <p:txBody>
-          <a:bodyPr/>
-          <a:lstStyle/>
-          <a:p>
-            <a:pPr lvl="0" indent="0" marL="0">
-              <a:spcBef>
-                <a:spcPts val="3000"/>
-              </a:spcBef>
-              <a:buNone/>
-            </a:pPr>
-            <a:r>
-              <a:rPr b="1"/>
-              <a:t>Sitting up</a:t>
+            <p:ph idx="1" sz="half"/>
+          </p:nvPr>
+        </p:nvSpPr>
+        <p:spPr/>
+        <p:txBody>
+          <a:bodyPr/>
+          <a:lstStyle/>
+          <a:p>
+            <a:pPr lvl="0" indent="0" marL="0">
+              <a:buNone/>
+            </a:pPr>
+            <a:r>
+              <a:rPr/>
+              <a:t>Night positioning</a:t>
+            </a:r>
+          </a:p>
+          <a:p>
+            <a:pPr lvl="0" indent="0" marL="0">
+              <a:buNone/>
+            </a:pPr>
+            <a:r>
+              <a:rPr/>
+              <a:t>Elevating the head of the bed at night by 10-20° could decrease nocturnal hypertension and diuresis</a:t>
+            </a:r>
+            <a:r>
+              <a:rPr baseline="30000"/>
+              <a:t>3</a:t>
+            </a:r>
+            <a:r>
+              <a:rPr/>
+              <a:t>.</a:t>
+            </a:r>
+          </a:p>
+        </p:txBody>
+      </p:sp>
+      <p:sp>
+        <p:nvSpPr>
+          <p:cNvPr id="4" name="Content Placeholder 3"/>
+          <p:cNvSpPr>
+            <a:spLocks noGrp="1"/>
+          </p:cNvSpPr>
+          <p:nvPr>
+            <p:ph idx="2" sz="half"/>
+          </p:nvPr>
+        </p:nvSpPr>
+        <p:spPr/>
+        <p:txBody>
+          <a:bodyPr/>
+          <a:lstStyle/>
+          <a:p>
+            <a:pPr lvl="0" indent="0" marL="0">
+              <a:buNone/>
+            </a:pPr>
+            <a:r>
+              <a:rPr/>
+              <a:t>Day Positioning</a:t>
+            </a:r>
+          </a:p>
+          <a:p>
+            <a:pPr lvl="0"/>
+            <a:r>
+              <a:rPr/>
+              <a:t>Maintain upright activity</a:t>
+            </a:r>
+            <a:r>
+              <a:rPr baseline="30000"/>
+              <a:t>3</a:t>
+            </a:r>
+            <a:r>
+              <a:rPr/>
+              <a:t>.</a:t>
+            </a:r>
+          </a:p>
+          <a:p>
+            <a:pPr lvl="0"/>
+            <a:r>
+              <a:rPr/>
+              <a:t>Repeatedly tilting up gradually attenuates </a:t>
+            </a:r>
+            <a:r>
+              <a:rPr>
+                <a:hlinkClick r:id="rId2"/>
+              </a:rPr>
+              <a:t>orthostatic hypotension</a:t>
+            </a:r>
+            <a:r>
+              <a:rPr baseline="30000"/>
+              <a:t>3</a:t>
+            </a:r>
+            <a:r>
+              <a:rPr/>
+              <a:t>.</a:t>
+            </a:r>
+          </a:p>
+          <a:p>
+            <a:pPr lvl="1"/>
+            <a:r>
+              <a:rPr/>
+              <a:t>Presumably due to venomotor tone</a:t>
+            </a:r>
+            <a:r>
+              <a:rPr baseline="30000"/>
+              <a:t>3</a:t>
+            </a:r>
+            <a:r>
+              <a:rPr/>
+              <a:t>.</a:t>
             </a:r>
           </a:p>
         </p:txBody>
@@ -3671,105 +3744,40 @@
             <a:spLocks noGrp="1"/>
           </p:cNvSpPr>
           <p:nvPr>
-            <p:ph idx="1" sz="half"/>
-          </p:nvPr>
-        </p:nvSpPr>
-        <p:spPr/>
-        <p:txBody>
-          <a:bodyPr/>
-          <a:lstStyle/>
-          <a:p>
-            <a:pPr lvl="0" indent="0" marL="0">
-              <a:buNone/>
-            </a:pPr>
-            <a:r>
-              <a:rPr/>
-              <a:t>Night positioning</a:t>
-            </a:r>
-          </a:p>
-          <a:p>
-            <a:pPr lvl="0" indent="0" marL="0">
-              <a:buNone/>
-            </a:pPr>
-            <a:r>
-              <a:rPr/>
-              <a:t>Elevating the head of the bed at night by 10-20° could decrease nocturnal hypertension and diuresis</a:t>
-            </a:r>
-            <a:r>
-              <a:rPr baseline="30000"/>
-              <a:t>3</a:t>
-            </a:r>
-            <a:r>
-              <a:rPr/>
-              <a:t>.</a:t>
-            </a:r>
-          </a:p>
-        </p:txBody>
-      </p:sp>
-      <p:sp>
-        <p:nvSpPr>
-          <p:cNvPr id="4" name="Content Placeholder 3"/>
-          <p:cNvSpPr>
-            <a:spLocks noGrp="1"/>
-          </p:cNvSpPr>
-          <p:nvPr>
-            <p:ph idx="2" sz="half"/>
-          </p:nvPr>
-        </p:nvSpPr>
-        <p:spPr/>
-        <p:txBody>
-          <a:bodyPr/>
-          <a:lstStyle/>
-          <a:p>
-            <a:pPr lvl="0" indent="0" marL="0">
-              <a:buNone/>
-            </a:pPr>
-            <a:r>
-              <a:rPr/>
-              <a:t>Day Positioning</a:t>
-            </a:r>
-          </a:p>
-          <a:p>
-            <a:pPr lvl="0"/>
-            <a:r>
-              <a:rPr/>
-              <a:t>Maintain upright activity</a:t>
-            </a:r>
-            <a:r>
-              <a:rPr baseline="30000"/>
-              <a:t>3</a:t>
-            </a:r>
-            <a:r>
-              <a:rPr/>
-              <a:t>.</a:t>
-            </a:r>
-          </a:p>
-          <a:p>
-            <a:pPr lvl="0"/>
-            <a:r>
-              <a:rPr/>
-              <a:t>Repeatedly tilting up gradually attenuates </a:t>
-            </a:r>
-            <a:r>
-              <a:rPr>
-                <a:hlinkClick r:id="rId2"/>
-              </a:rPr>
-              <a:t>orthostatic hypotension</a:t>
-            </a:r>
-            <a:r>
-              <a:rPr baseline="30000"/>
-              <a:t>3</a:t>
-            </a:r>
-            <a:r>
-              <a:rPr/>
-              <a:t>.</a:t>
-            </a:r>
-          </a:p>
-          <a:p>
-            <a:pPr lvl="1"/>
-            <a:r>
-              <a:rPr/>
-              <a:t>Presumably due to venomotor tone</a:t>
+            <p:ph idx="1"/>
+          </p:nvPr>
+        </p:nvSpPr>
+        <p:spPr/>
+        <p:txBody>
+          <a:bodyPr/>
+          <a:lstStyle/>
+          <a:p>
+            <a:pPr lvl="0" indent="0" marL="0">
+              <a:spcBef>
+                <a:spcPts val="3000"/>
+              </a:spcBef>
+              <a:buNone/>
+            </a:pPr>
+            <a:r>
+              <a:rPr b="1"/>
+              <a:t>Exercise</a:t>
+            </a:r>
+          </a:p>
+          <a:p>
+            <a:pPr lvl="0" indent="0" marL="0">
+              <a:buNone/>
+            </a:pPr>
+            <a:r>
+              <a:rPr/>
+              <a:t>Physical countermaneuvers can be performed to reduce </a:t>
+            </a:r>
+            <a:r>
+              <a:rPr i="1"/>
+              <a:t>venous capacitance</a:t>
+            </a:r>
+            <a:r>
+              <a:rPr/>
+              <a:t>, resulting in increased total peripheral resistance which assists venous return to the heart</a:t>
             </a:r>
             <a:r>
               <a:rPr baseline="30000"/>
@@ -3811,48 +3819,122 @@
             <a:spLocks noGrp="1"/>
           </p:cNvSpPr>
           <p:nvPr>
-            <p:ph idx="1"/>
-          </p:nvPr>
-        </p:nvSpPr>
-        <p:spPr/>
-        <p:txBody>
-          <a:bodyPr/>
-          <a:lstStyle/>
-          <a:p>
-            <a:pPr lvl="0" indent="0" marL="0">
-              <a:spcBef>
-                <a:spcPts val="3000"/>
-              </a:spcBef>
-              <a:buNone/>
-            </a:pPr>
-            <a:r>
-              <a:rPr b="1"/>
-              <a:t>Exercise</a:t>
-            </a:r>
-          </a:p>
-          <a:p>
-            <a:pPr lvl="0" indent="0" marL="0">
-              <a:buNone/>
-            </a:pPr>
-            <a:r>
-              <a:rPr/>
-              <a:t>Physical countermaneuvers can be performed to reduce </a:t>
-            </a:r>
-            <a:r>
-              <a:rPr i="1"/>
-              <a:t>venous capacitance</a:t>
-            </a:r>
-            <a:r>
-              <a:rPr/>
-              <a:t>, resulting in increased total peripheral resistance which assists venous return to the heart</a:t>
+            <p:ph idx="1" sz="half"/>
+          </p:nvPr>
+        </p:nvSpPr>
+        <p:spPr/>
+        <p:txBody>
+          <a:bodyPr/>
+          <a:lstStyle/>
+          <a:p>
+            <a:pPr lvl="0" indent="0" marL="0">
+              <a:buNone/>
+            </a:pPr>
+            <a:r>
+              <a:rPr/>
+              <a:t>Dosage</a:t>
+            </a:r>
+          </a:p>
+          <a:p>
+            <a:pPr lvl="0"/>
+            <a:r>
+              <a:rPr/>
+              <a:t>Contracting the muscles below the waist for ~30 seconds at a time</a:t>
             </a:r>
             <a:r>
               <a:rPr baseline="30000"/>
               <a:t>3</a:t>
             </a:r>
-            <a:r>
-              <a:rPr/>
-              <a:t>.</a:t>
+          </a:p>
+        </p:txBody>
+      </p:sp>
+      <p:sp>
+        <p:nvSpPr>
+          <p:cNvPr id="4" name="Content Placeholder 3"/>
+          <p:cNvSpPr>
+            <a:spLocks noGrp="1"/>
+          </p:cNvSpPr>
+          <p:nvPr>
+            <p:ph idx="2" sz="half"/>
+          </p:nvPr>
+        </p:nvSpPr>
+        <p:spPr/>
+        <p:txBody>
+          <a:bodyPr/>
+          <a:lstStyle/>
+          <a:p>
+            <a:pPr lvl="0" indent="0" marL="0">
+              <a:buNone/>
+            </a:pPr>
+            <a:r>
+              <a:rPr/>
+              <a:t>Examples</a:t>
+            </a:r>
+          </a:p>
+          <a:p>
+            <a:pPr lvl="0"/>
+            <a:r>
+              <a:rPr/>
+              <a:t>Toe-raising</a:t>
+            </a:r>
+            <a:r>
+              <a:rPr baseline="30000"/>
+              <a:t>3</a:t>
+            </a:r>
+          </a:p>
+          <a:p>
+            <a:pPr lvl="0"/>
+            <a:r>
+              <a:rPr/>
+              <a:t>Leg-crossing and contraction</a:t>
+            </a:r>
+            <a:r>
+              <a:rPr baseline="30000"/>
+              <a:t>3</a:t>
+            </a:r>
+          </a:p>
+          <a:p>
+            <a:pPr lvl="0"/>
+            <a:r>
+              <a:rPr/>
+              <a:t>Thigh muscle co-contraction</a:t>
+            </a:r>
+            <a:r>
+              <a:rPr baseline="30000"/>
+              <a:t>3</a:t>
+            </a:r>
+          </a:p>
+          <a:p>
+            <a:pPr lvl="0"/>
+            <a:r>
+              <a:rPr/>
+              <a:t>Bending at the waist</a:t>
+            </a:r>
+            <a:r>
+              <a:rPr baseline="30000"/>
+              <a:t>3</a:t>
+            </a:r>
+          </a:p>
+          <a:p>
+            <a:pPr lvl="0"/>
+            <a:r>
+              <a:rPr/>
+              <a:t>Slow marching in place</a:t>
+            </a:r>
+            <a:r>
+              <a:rPr baseline="30000"/>
+              <a:t>3</a:t>
+            </a:r>
+          </a:p>
+          <a:p>
+            <a:pPr lvl="0"/>
+            <a:r>
+              <a:rPr/>
+              <a:t>SLR</a:t>
+            </a:r>
+            <a:r>
+              <a:rPr baseline="30000"/>
+              <a:t>3</a:t>
             </a:r>
           </a:p>
         </p:txBody>
@@ -3886,122 +3968,219 @@
             <a:spLocks noGrp="1"/>
           </p:cNvSpPr>
           <p:nvPr>
-            <p:ph idx="1" sz="half"/>
-          </p:nvPr>
-        </p:nvSpPr>
-        <p:spPr/>
-        <p:txBody>
-          <a:bodyPr/>
-          <a:lstStyle/>
-          <a:p>
-            <a:pPr lvl="0" indent="0" marL="0">
-              <a:buNone/>
-            </a:pPr>
-            <a:r>
-              <a:rPr/>
-              <a:t>Dosage</a:t>
-            </a:r>
-          </a:p>
-          <a:p>
-            <a:pPr lvl="0"/>
-            <a:r>
-              <a:rPr/>
-              <a:t>Contracting the muscles below the waist for ~30 seconds at a time</a:t>
+            <p:ph idx="1"/>
+          </p:nvPr>
+        </p:nvSpPr>
+        <p:spPr/>
+        <p:txBody>
+          <a:bodyPr/>
+          <a:lstStyle/>
+          <a:p>
+            <a:pPr lvl="0" indent="0" marL="0">
+              <a:spcBef>
+                <a:spcPts val="3000"/>
+              </a:spcBef>
+              <a:buNone/>
+            </a:pPr>
+            <a:r>
+              <a:rPr b="1"/>
+              <a:t>Patient Education</a:t>
+            </a:r>
+          </a:p>
+          <a:p>
+            <a:pPr lvl="0" indent="0" marL="0">
+              <a:buNone/>
+            </a:pPr>
+            <a:r>
+              <a:rPr/>
+              <a:t>Considered the “single most iimportant factor” in orthostatic hypotension management by Figueroa</a:t>
             </a:r>
             <a:r>
               <a:rPr baseline="30000"/>
               <a:t>3</a:t>
             </a:r>
-          </a:p>
-        </p:txBody>
-      </p:sp>
-      <p:sp>
-        <p:nvSpPr>
-          <p:cNvPr id="4" name="Content Placeholder 3"/>
-          <p:cNvSpPr>
-            <a:spLocks noGrp="1"/>
-          </p:cNvSpPr>
-          <p:nvPr>
-            <p:ph idx="2" sz="half"/>
-          </p:nvPr>
-        </p:nvSpPr>
-        <p:spPr/>
-        <p:txBody>
-          <a:bodyPr/>
-          <a:lstStyle/>
-          <a:p>
-            <a:pPr lvl="0" indent="0" marL="0">
-              <a:buNone/>
-            </a:pPr>
-            <a:r>
-              <a:rPr/>
-              <a:t>Examples</a:t>
-            </a:r>
-          </a:p>
-          <a:p>
-            <a:pPr lvl="0"/>
-            <a:r>
-              <a:rPr/>
-              <a:t>Toe-raising</a:t>
+            <a:r>
+              <a:rPr/>
+              <a:t>.</a:t>
+            </a:r>
+          </a:p>
+          <a:p>
+            <a:pPr lvl="0" indent="0" marL="0">
+              <a:buNone/>
+            </a:pPr>
+            <a:r>
+              <a:rPr/>
+              <a:t>Items to consider:</a:t>
+            </a:r>
+          </a:p>
+          <a:p>
+            <a:pPr lvl="0" indent="-342900" marL="342900">
+              <a:buAutoNum type="arabicPeriod"/>
+            </a:pPr>
+            <a:r>
+              <a:rPr/>
+              <a:t>The mechanisms that maintain postural normotension and how to recognize the onset of orthostatic symptoms</a:t>
             </a:r>
             <a:r>
               <a:rPr baseline="30000"/>
               <a:t>3</a:t>
             </a:r>
-          </a:p>
-          <a:p>
-            <a:pPr lvl="0"/>
-            <a:r>
-              <a:rPr/>
-              <a:t>Leg-crossing and contraction</a:t>
+            <a:r>
+              <a:rPr/>
+              <a:t>.</a:t>
+            </a:r>
+          </a:p>
+          <a:p>
+            <a:pPr lvl="0" indent="-342900" marL="342900">
+              <a:buAutoNum type="arabicPeriod"/>
+            </a:pPr>
+            <a:r>
+              <a:rPr/>
+              <a:t>There is no specific treatment of the underlying cause and that drug treatment alone is not adequate</a:t>
             </a:r>
             <a:r>
               <a:rPr baseline="30000"/>
               <a:t>3</a:t>
             </a:r>
-          </a:p>
-          <a:p>
-            <a:pPr lvl="0"/>
-            <a:r>
-              <a:rPr/>
-              <a:t>Thigh muscle co-contraction</a:t>
+            <a:r>
+              <a:rPr/>
+              <a:t>.</a:t>
+            </a:r>
+          </a:p>
+          <a:p>
+            <a:pPr lvl="0" indent="-342900" marL="342900">
+              <a:buAutoNum type="arabicPeriod"/>
+            </a:pPr>
+            <a:r>
+              <a:rPr/>
+              <a:t>Nonpharmacologic approaches and be aware that other drugs they start may worsen symptoms</a:t>
             </a:r>
             <a:r>
               <a:rPr baseline="30000"/>
               <a:t>3</a:t>
             </a:r>
-          </a:p>
-          <a:p>
-            <a:pPr lvl="0"/>
-            <a:r>
-              <a:rPr/>
-              <a:t>Bending at the waist</a:t>
-            </a:r>
-            <a:r>
-              <a:rPr baseline="30000"/>
-              <a:t>3</a:t>
-            </a:r>
-          </a:p>
-          <a:p>
-            <a:pPr lvl="0"/>
-            <a:r>
-              <a:rPr/>
-              <a:t>Slow marching in place</a:t>
-            </a:r>
-            <a:r>
-              <a:rPr baseline="30000"/>
-              <a:t>3</a:t>
-            </a:r>
-          </a:p>
-          <a:p>
-            <a:pPr lvl="0"/>
-            <a:r>
-              <a:rPr/>
-              <a:t>SLR</a:t>
-            </a:r>
-            <a:r>
-              <a:rPr baseline="30000"/>
-              <a:t>3</a:t>
+            <a:r>
+              <a:rPr/>
+              <a:t>.</a:t>
+            </a:r>
+          </a:p>
+          <a:p>
+            <a:pPr lvl="0" indent="0" marL="0">
+              <a:buNone/>
+            </a:pPr>
+            <a:r>
+              <a:rPr/>
+              <a:t>Educate the patient on environmental stressors</a:t>
+            </a:r>
+          </a:p>
+          <a:p>
+            <a:pPr lvl="0"/>
+            <a:r>
+              <a:rPr/>
+              <a:t>Prolonged or motionless standing</a:t>
+            </a:r>
+          </a:p>
+          <a:p>
+            <a:pPr lvl="0"/>
+            <a:r>
+              <a:rPr/>
+              <a:t>Alcohol ingestion (causing vasodilation)</a:t>
+            </a:r>
+          </a:p>
+          <a:p>
+            <a:pPr lvl="0"/>
+            <a:r>
+              <a:rPr/>
+              <a:t>Carbohydrate-heavy meals (causing postprandial orthostatic hypotension related to an increase in the splanchnic-mesenteric venous capacitance),</a:t>
+            </a:r>
+          </a:p>
+          <a:p>
+            <a:pPr lvl="0"/>
+            <a:r>
+              <a:rPr/>
+              <a:t>Nocturnal diuresis causing early morning orthostatic hypotension</a:t>
+            </a:r>
+          </a:p>
+          <a:p>
+            <a:pPr lvl="0"/>
+            <a:r>
+              <a:rPr/>
+              <a:t>Physical activity sufficient to cause muscle vasodilation</a:t>
+            </a:r>
+          </a:p>
+          <a:p>
+            <a:pPr lvl="0"/>
+            <a:r>
+              <a:rPr/>
+              <a:t>Heat exposure (eg, hot weather or a hot bath or shower) producing skin vessel vasodilation</a:t>
+            </a:r>
+          </a:p>
+          <a:p>
+            <a:pPr lvl="0"/>
+            <a:r>
+              <a:rPr/>
+              <a:t>Sudden postural changes</a:t>
+            </a:r>
+          </a:p>
+          <a:p>
+            <a:pPr lvl="0"/>
+            <a:r>
+              <a:rPr/>
+              <a:t>Prolonged recumbency</a:t>
+            </a:r>
+          </a:p>
+          <a:p>
+            <a:pPr lvl="0" indent="0" marL="0">
+              <a:spcBef>
+                <a:spcPts val="3000"/>
+              </a:spcBef>
+              <a:buNone/>
+            </a:pPr>
+            <a:r>
+              <a:rPr b="1"/>
+              <a:t>Inpatient approach</a:t>
+            </a:r>
+          </a:p>
+          <a:p>
+            <a:pPr lvl="0"/>
+            <a:r>
+              <a:rPr/>
+              <a:t>Perform motor and sensory evaluations first</a:t>
+            </a:r>
+          </a:p>
+          <a:p>
+            <a:pPr lvl="0"/>
+            <a:r>
+              <a:rPr/>
+              <a:t>Move patient to sitting EOB as soon as possible</a:t>
+            </a:r>
+          </a:p>
+          <a:p>
+            <a:pPr lvl="0"/>
+            <a:r>
+              <a:rPr/>
+              <a:t>Continue with subjective and objective</a:t>
+            </a:r>
+          </a:p>
+          <a:p>
+            <a:pPr lvl="0"/>
+            <a:r>
+              <a:rPr/>
+              <a:t>(+) Hypotension</a:t>
+            </a:r>
+          </a:p>
+          <a:p>
+            <a:pPr lvl="1"/>
+            <a:r>
+              <a:rPr/>
+              <a:t>Have the patient drink water</a:t>
+            </a:r>
+          </a:p>
+          <a:p>
+            <a:pPr lvl="1"/>
+            <a:r>
+              <a:rPr/>
+              <a:t>Perform exercises sitting EOB</a:t>
             </a:r>
           </a:p>
         </p:txBody>
@@ -4030,6 +4209,31 @@
       </p:grpSpPr>
       <p:sp>
         <p:nvSpPr>
+          <p:cNvPr id="2" name="Title 1"/>
+          <p:cNvSpPr>
+            <a:spLocks noGrp="1"/>
+          </p:cNvSpPr>
+          <p:nvPr>
+            <p:ph type="title"/>
+          </p:nvPr>
+        </p:nvSpPr>
+        <p:spPr/>
+        <p:txBody>
+          <a:bodyPr/>
+          <a:lstStyle/>
+          <a:p>
+            <a:pPr lvl="0" indent="0" marL="0">
+              <a:buNone/>
+            </a:pPr>
+            <a:r>
+              <a:rPr/>
+              <a:t>Dropfoot</a:t>
+            </a:r>
+          </a:p>
+        </p:txBody>
+      </p:sp>
+      <p:sp>
+        <p:nvSpPr>
           <p:cNvPr id="3" name="Content Placeholder 2"/>
           <p:cNvSpPr>
             <a:spLocks noGrp="1"/>
@@ -4042,6 +4246,31 @@
         <p:txBody>
           <a:bodyPr/>
           <a:lstStyle/>
+          <a:p>
+            <a:pPr lvl="0" indent="0" marL="0">
+              <a:buNone/>
+            </a:pPr>
+            <a:r>
+              <a:rPr>
+                <a:hlinkClick r:id="rId2"/>
+              </a:rPr>
+              <a:t>Drop foot</a:t>
+            </a:r>
+            <a:r>
+              <a:rPr/>
+              <a:t> refers to a sign of motor weakness caused by </a:t>
+            </a:r>
+            <a:r>
+              <a:rPr>
+                <a:hlinkClick r:id="rId3"/>
+              </a:rPr>
+              <a:t>common fibular nerve palsy</a:t>
+            </a:r>
+            <a:r>
+              <a:rPr/>
+              <a:t>.</a:t>
+            </a:r>
+          </a:p>
           <a:p>
             <a:pPr lvl="0" indent="0" marL="0">
               <a:spcBef>
@@ -4051,149 +4280,115 @@
             </a:pPr>
             <a:r>
               <a:rPr b="1"/>
-              <a:t>Patient Education</a:t>
-            </a:r>
-          </a:p>
-          <a:p>
-            <a:pPr lvl="0" indent="0" marL="0">
-              <a:buNone/>
-            </a:pPr>
-            <a:r>
-              <a:rPr/>
-              <a:t>Considered the “single most iimportant factor” in orthostatic hypotension management by Figueroa</a:t>
-            </a:r>
-            <a:r>
-              <a:rPr baseline="30000"/>
-              <a:t>3</a:t>
-            </a:r>
-            <a:r>
-              <a:rPr/>
-              <a:t>.</a:t>
-            </a:r>
-          </a:p>
-          <a:p>
-            <a:pPr lvl="0" indent="0" marL="0">
-              <a:buNone/>
-            </a:pPr>
-            <a:r>
-              <a:rPr/>
-              <a:t>Items to consider:</a:t>
-            </a:r>
-          </a:p>
-          <a:p>
-            <a:pPr lvl="0" indent="-342900" marL="342900">
-              <a:buAutoNum type="arabicPeriod"/>
-            </a:pPr>
-            <a:r>
-              <a:rPr/>
-              <a:t>The mechanisms that maintain postural normotension and how to recognize the onset of orthostatic symptoms</a:t>
-            </a:r>
-            <a:r>
-              <a:rPr baseline="30000"/>
-              <a:t>3</a:t>
-            </a:r>
-            <a:r>
-              <a:rPr/>
-              <a:t>.</a:t>
-            </a:r>
-          </a:p>
-          <a:p>
-            <a:pPr lvl="0" indent="-342900" marL="342900">
-              <a:buAutoNum type="arabicPeriod"/>
-            </a:pPr>
-            <a:r>
-              <a:rPr/>
-              <a:t>There is no specific treatment of the underlying cause and that drug treatment alone is not adequate</a:t>
-            </a:r>
-            <a:r>
-              <a:rPr baseline="30000"/>
-              <a:t>3</a:t>
-            </a:r>
-            <a:r>
-              <a:rPr/>
-              <a:t>.</a:t>
-            </a:r>
-          </a:p>
-          <a:p>
-            <a:pPr lvl="0" indent="-342900" marL="342900">
-              <a:buAutoNum type="arabicPeriod"/>
-            </a:pPr>
-            <a:r>
-              <a:rPr/>
-              <a:t>Nonpharmacologic approaches and be aware that other drugs they start may worsen symptoms</a:t>
-            </a:r>
-            <a:r>
-              <a:rPr baseline="30000"/>
-              <a:t>3</a:t>
-            </a:r>
-            <a:r>
-              <a:rPr/>
-              <a:t>.</a:t>
-            </a:r>
-          </a:p>
-          <a:p>
-            <a:pPr lvl="0" indent="0" marL="0">
-              <a:buNone/>
-            </a:pPr>
-            <a:r>
-              <a:rPr/>
-              <a:t>Educate the patient on environmental stressors</a:t>
-            </a:r>
-          </a:p>
-          <a:p>
-            <a:pPr lvl="0"/>
-            <a:r>
-              <a:rPr/>
-              <a:t>Prolonged or motionless standing</a:t>
-            </a:r>
-          </a:p>
-          <a:p>
-            <a:pPr lvl="0"/>
-            <a:r>
-              <a:rPr/>
-              <a:t>Alcohol ingestion (causing vasodilation)</a:t>
-            </a:r>
-          </a:p>
-          <a:p>
-            <a:pPr lvl="0"/>
-            <a:r>
-              <a:rPr/>
-              <a:t>Carbohydrate-heavy meals (causing postprandial orthostatic hypotension related to an increase in the splanchnic-mesenteric venous capacitance),</a:t>
-            </a:r>
-          </a:p>
-          <a:p>
-            <a:pPr lvl="0"/>
-            <a:r>
-              <a:rPr/>
-              <a:t>Nocturnal diuresis causing early morning orthostatic hypotension</a:t>
-            </a:r>
-          </a:p>
-          <a:p>
-            <a:pPr lvl="0"/>
-            <a:r>
-              <a:rPr/>
-              <a:t>Physical activity sufficient to cause muscle vasodilation</a:t>
-            </a:r>
-          </a:p>
-          <a:p>
-            <a:pPr lvl="0"/>
-            <a:r>
-              <a:rPr/>
-              <a:t>Heat exposure (eg, hot weather or a hot bath or shower) producing skin vessel vasodilation</a:t>
-            </a:r>
-          </a:p>
-          <a:p>
-            <a:pPr lvl="0"/>
-            <a:r>
-              <a:rPr/>
-              <a:t>Sudden postural changes</a:t>
-            </a:r>
-          </a:p>
-          <a:p>
-            <a:pPr lvl="0"/>
-            <a:r>
-              <a:rPr/>
-              <a:t>Prolonged recumbency</a:t>
+              <a:t>Etiology</a:t>
+            </a:r>
+          </a:p>
+          <a:p>
+            <a:pPr lvl="0" indent="0" marL="0">
+              <a:buNone/>
+            </a:pPr>
+            <a:r>
+              <a:rPr/>
+              <a:t>During surgery, the nerve can be damaged through:</a:t>
+            </a:r>
+          </a:p>
+          <a:p>
+            <a:pPr lvl="0"/>
+            <a:r>
+              <a:rPr/>
+              <a:t>Direct trauma</a:t>
+            </a:r>
+            <a:r>
+              <a:rPr baseline="30000"/>
+              <a:t>6</a:t>
+            </a:r>
+          </a:p>
+          <a:p>
+            <a:pPr lvl="0"/>
+            <a:r>
+              <a:rPr/>
+              <a:t>Thermal injury</a:t>
+            </a:r>
+            <a:r>
+              <a:rPr baseline="30000"/>
+              <a:t>6</a:t>
+            </a:r>
+          </a:p>
+          <a:p>
+            <a:pPr lvl="0"/>
+            <a:r>
+              <a:rPr/>
+              <a:t>Retractor placement</a:t>
+            </a:r>
+            <a:r>
+              <a:rPr baseline="30000"/>
+              <a:t>6</a:t>
+            </a:r>
+          </a:p>
+          <a:p>
+            <a:pPr lvl="0"/>
+            <a:r>
+              <a:rPr/>
+              <a:t>Hardware dislocation</a:t>
+            </a:r>
+            <a:r>
+              <a:rPr baseline="30000"/>
+              <a:t>6</a:t>
+            </a:r>
+          </a:p>
+          <a:p>
+            <a:pPr lvl="0"/>
+            <a:r>
+              <a:rPr/>
+              <a:t>Perforation</a:t>
+            </a:r>
+            <a:r>
+              <a:rPr baseline="30000"/>
+              <a:t>6</a:t>
+            </a:r>
+          </a:p>
+          <a:p>
+            <a:pPr lvl="0"/>
+            <a:r>
+              <a:rPr/>
+              <a:t>Postoperative Hematoma</a:t>
+            </a:r>
+            <a:r>
+              <a:rPr baseline="30000"/>
+              <a:t>6</a:t>
+            </a:r>
+          </a:p>
+          <a:p>
+            <a:pPr lvl="0"/>
+            <a:r>
+              <a:rPr/>
+              <a:t>Postoperative pseudotumor</a:t>
+            </a:r>
+            <a:r>
+              <a:rPr baseline="30000"/>
+              <a:t>6</a:t>
+            </a:r>
+          </a:p>
+          <a:p>
+            <a:pPr lvl="0" indent="0" marL="1270000">
+              <a:buNone/>
+            </a:pPr>
+            <a:r>
+              <a:rPr sz="2000" b="1"/>
+              <a:t>Note</a:t>
+            </a:r>
+          </a:p>
+          <a:p>
+            <a:pPr lvl="0" indent="0" marL="1270000">
+              <a:buNone/>
+            </a:pPr>
+            <a:r>
+              <a:rPr sz="2000"/>
+              <a:t>Up to 50% of the cases are idiopathic</a:t>
+            </a:r>
+            <a:r>
+              <a:rPr sz="2000" baseline="30000"/>
+              <a:t>6</a:t>
             </a:r>
           </a:p>
           <a:p>
@@ -4205,49 +4400,7 @@
             </a:pPr>
             <a:r>
               <a:rPr b="1"/>
-              <a:t>Inpatient approach</a:t>
-            </a:r>
-          </a:p>
-          <a:p>
-            <a:pPr lvl="0"/>
-            <a:r>
-              <a:rPr/>
-              <a:t>Perform motor and sensory evaluations first</a:t>
-            </a:r>
-          </a:p>
-          <a:p>
-            <a:pPr lvl="0"/>
-            <a:r>
-              <a:rPr/>
-              <a:t>Move patient to sitting EOB as soon as possible</a:t>
-            </a:r>
-          </a:p>
-          <a:p>
-            <a:pPr lvl="0"/>
-            <a:r>
-              <a:rPr/>
-              <a:t>Continue with subjective and objective</a:t>
-            </a:r>
-          </a:p>
-          <a:p>
-            <a:pPr lvl="0"/>
-            <a:r>
-              <a:rPr/>
-              <a:t>(+) Hypotension</a:t>
-            </a:r>
-          </a:p>
-          <a:p>
-            <a:pPr lvl="1"/>
-            <a:r>
-              <a:rPr/>
-              <a:t>Have the patient drink water</a:t>
-            </a:r>
-          </a:p>
-          <a:p>
-            <a:pPr lvl="1"/>
-            <a:r>
-              <a:rPr/>
-              <a:t>Perform exercises sitting EOB</a:t>
+              <a:t>Anatomy</a:t>
             </a:r>
           </a:p>
         </p:txBody>
@@ -4276,198 +4429,112 @@
       </p:grpSpPr>
       <p:sp>
         <p:nvSpPr>
-          <p:cNvPr id="2" name="Title 1"/>
-          <p:cNvSpPr>
-            <a:spLocks noGrp="1"/>
-          </p:cNvSpPr>
-          <p:nvPr>
-            <p:ph type="title"/>
-          </p:nvPr>
-        </p:nvSpPr>
-        <p:spPr/>
-        <p:txBody>
-          <a:bodyPr/>
-          <a:lstStyle/>
-          <a:p>
-            <a:pPr lvl="0" indent="0" marL="0">
-              <a:buNone/>
-            </a:pPr>
-            <a:r>
-              <a:rPr/>
-              <a:t>Dropfoot</a:t>
-            </a:r>
-          </a:p>
-        </p:txBody>
-      </p:sp>
-      <p:sp>
-        <p:nvSpPr>
           <p:cNvPr id="3" name="Content Placeholder 2"/>
           <p:cNvSpPr>
             <a:spLocks noGrp="1"/>
           </p:cNvSpPr>
           <p:nvPr>
-            <p:ph idx="1"/>
-          </p:nvPr>
-        </p:nvSpPr>
-        <p:spPr/>
-        <p:txBody>
-          <a:bodyPr/>
-          <a:lstStyle/>
-          <a:p>
-            <a:pPr lvl="0" indent="0" marL="0">
-              <a:buNone/>
-            </a:pPr>
+            <p:ph idx="1" sz="half"/>
+          </p:nvPr>
+        </p:nvSpPr>
+        <p:spPr/>
+        <p:txBody>
+          <a:bodyPr/>
+          <a:lstStyle/>
+          <a:p>
+            <a:pPr lvl="0" indent="0" marL="0">
+              <a:buNone/>
+            </a:pPr>
+            <a:r>
+              <a:rPr/>
+              <a:t>Total Hip Arthroplasty</a:t>
+            </a:r>
+          </a:p>
+          <a:p>
+            <a:pPr lvl="0" indent="0" marL="0">
+              <a:buNone/>
+            </a:pPr>
+            <a:r>
+              <a:rPr/>
+              <a:t>Injury to </a:t>
+            </a:r>
             <a:r>
               <a:rPr>
                 <a:hlinkClick r:id="rId2"/>
               </a:rPr>
-              <a:t>Drop foot</a:t>
-            </a:r>
-            <a:r>
-              <a:rPr/>
-              <a:t> refers to a sign of motor weakness caused by </a:t>
+              <a:t>Common fibular division</a:t>
+            </a:r>
+            <a:r>
+              <a:rPr/>
+              <a:t> of the </a:t>
             </a:r>
             <a:r>
               <a:rPr>
                 <a:hlinkClick r:id="rId3"/>
               </a:rPr>
-              <a:t>common fibular nerve palsy</a:t>
+              <a:t>Sciatic nerve</a:t>
+            </a:r>
+            <a:r>
+              <a:rPr baseline="30000"/>
+              <a:t>6</a:t>
             </a:r>
             <a:r>
               <a:rPr/>
               <a:t>.</a:t>
             </a:r>
           </a:p>
-          <a:p>
-            <a:pPr lvl="0" indent="0" marL="0">
-              <a:spcBef>
-                <a:spcPts val="3000"/>
-              </a:spcBef>
-              <a:buNone/>
-            </a:pPr>
-            <a:r>
-              <a:rPr b="1"/>
-              <a:t>Etiology</a:t>
-            </a:r>
-          </a:p>
-          <a:p>
-            <a:pPr lvl="0" indent="0" marL="0">
-              <a:buNone/>
-            </a:pPr>
-            <a:r>
-              <a:rPr/>
-              <a:t>During surgery, the nerve can be damaged through:</a:t>
-            </a:r>
-          </a:p>
-          <a:p>
-            <a:pPr lvl="0"/>
-            <a:r>
-              <a:rPr/>
-              <a:t>Direct trauma</a:t>
-            </a:r>
-            <a:r>
-              <a:rPr baseline="30000"/>
-              <a:t>6</a:t>
-            </a:r>
-          </a:p>
-          <a:p>
-            <a:pPr lvl="0"/>
-            <a:r>
-              <a:rPr/>
-              <a:t>Thermal injury</a:t>
-            </a:r>
-            <a:r>
-              <a:rPr baseline="30000"/>
-              <a:t>6</a:t>
-            </a:r>
-          </a:p>
-          <a:p>
-            <a:pPr lvl="0"/>
-            <a:r>
-              <a:rPr/>
-              <a:t>Retractor placement</a:t>
-            </a:r>
-            <a:r>
-              <a:rPr baseline="30000"/>
-              <a:t>6</a:t>
-            </a:r>
-          </a:p>
-          <a:p>
-            <a:pPr lvl="0"/>
-            <a:r>
-              <a:rPr/>
-              <a:t>Hardware dislocation</a:t>
-            </a:r>
-            <a:r>
-              <a:rPr baseline="30000"/>
-              <a:t>6</a:t>
-            </a:r>
-          </a:p>
-          <a:p>
-            <a:pPr lvl="0"/>
-            <a:r>
-              <a:rPr/>
-              <a:t>Perforation</a:t>
-            </a:r>
-            <a:r>
-              <a:rPr baseline="30000"/>
-              <a:t>6</a:t>
-            </a:r>
-          </a:p>
-          <a:p>
-            <a:pPr lvl="0"/>
-            <a:r>
-              <a:rPr/>
-              <a:t>Postoperative Hematoma</a:t>
-            </a:r>
-            <a:r>
-              <a:rPr baseline="30000"/>
-              <a:t>6</a:t>
-            </a:r>
-          </a:p>
-          <a:p>
-            <a:pPr lvl="0"/>
-            <a:r>
-              <a:rPr/>
-              <a:t>Postoperative pseudotumor</a:t>
-            </a:r>
-            <a:r>
-              <a:rPr baseline="30000"/>
-              <a:t>6</a:t>
-            </a:r>
-          </a:p>
-          <a:p>
-            <a:pPr lvl="0" indent="0" marL="1270000">
-              <a:buNone/>
-            </a:pPr>
-            <a:r>
-              <a:rPr sz="2000" b="1"/>
-              <a:t>Note</a:t>
-            </a:r>
-          </a:p>
-          <a:p>
-            <a:pPr lvl="0" indent="0" marL="1270000">
-              <a:buNone/>
-            </a:pPr>
-            <a:r>
-              <a:rPr sz="2000"/>
-              <a:t>Up to 50% of the cases are idiopathic</a:t>
-            </a:r>
-            <a:r>
-              <a:rPr sz="2000" baseline="30000"/>
-              <a:t>6</a:t>
-            </a:r>
-          </a:p>
-          <a:p>
-            <a:pPr lvl="0" indent="0" marL="0">
-              <a:spcBef>
-                <a:spcPts val="3000"/>
-              </a:spcBef>
-              <a:buNone/>
-            </a:pPr>
-            <a:r>
-              <a:rPr b="1"/>
-              <a:t>Anatomy</a:t>
+        </p:txBody>
+      </p:sp>
+      <p:sp>
+        <p:nvSpPr>
+          <p:cNvPr id="4" name="Content Placeholder 3"/>
+          <p:cNvSpPr>
+            <a:spLocks noGrp="1"/>
+          </p:cNvSpPr>
+          <p:nvPr>
+            <p:ph idx="2" sz="half"/>
+          </p:nvPr>
+        </p:nvSpPr>
+        <p:spPr/>
+        <p:txBody>
+          <a:bodyPr/>
+          <a:lstStyle/>
+          <a:p>
+            <a:pPr lvl="0" indent="0" marL="0">
+              <a:buNone/>
+            </a:pPr>
+            <a:r>
+              <a:rPr/>
+              <a:t>Total Knee Arthroplasty</a:t>
+            </a:r>
+          </a:p>
+          <a:p>
+            <a:pPr lvl="0" indent="0" marL="0">
+              <a:buNone/>
+            </a:pPr>
+            <a:r>
+              <a:rPr/>
+              <a:t>During a TKA, either the </a:t>
+            </a:r>
+            <a:r>
+              <a:rPr>
+                <a:hlinkClick r:id="rId4"/>
+              </a:rPr>
+              <a:t>common fibular division of the sciatic nerve</a:t>
+            </a:r>
+            <a:r>
+              <a:rPr/>
+              <a:t> or the </a:t>
+            </a:r>
+            <a:r>
+              <a:rPr>
+                <a:hlinkClick r:id="rId5"/>
+              </a:rPr>
+              <a:t>Common fibular nerve</a:t>
+            </a:r>
+            <a:r>
+              <a:rPr/>
+              <a:t> itself is damaged at some point during the operation.</a:t>
             </a:r>
           </a:p>
         </p:txBody>
@@ -4514,7 +4581,7 @@
             </a:pPr>
             <a:r>
               <a:rPr/>
-              <a:t>Table of contents</a:t>
+              <a:t>Total Joint Arthroplasty Problems</a:t>
             </a:r>
           </a:p>
         </p:txBody>
@@ -4534,309 +4601,12 @@
           <a:bodyPr/>
           <a:lstStyle/>
           <a:p>
-            <a:pPr lvl="0"/>
-            <a:r>
-              <a:rPr>
-                <a:hlinkClick r:id="rId2" action="ppaction://hlinksldjump"/>
-              </a:rPr>
-              <a:t>Total Joint Arthroplasty Problems</a:t>
-            </a:r>
-          </a:p>
-          <a:p>
-            <a:pPr lvl="0"/>
-            <a:r>
-              <a:rPr>
-                <a:hlinkClick r:id="rId3" action="ppaction://hlinksldjump"/>
-              </a:rPr>
-              <a:t>Causes of failed discharge</a:t>
-            </a:r>
-          </a:p>
-          <a:p>
-            <a:pPr lvl="0"/>
-            <a:r>
-              <a:rPr>
-                <a:hlinkClick r:id="rId4" action="ppaction://hlinksldjump"/>
-              </a:rPr>
-              <a:t>Orthostatic Hypotension &amp; Intolerance</a:t>
-            </a:r>
-          </a:p>
-          <a:p>
-            <a:pPr lvl="1"/>
-            <a:r>
-              <a:rPr>
-                <a:hlinkClick r:id="rId5" action="ppaction://hlinksldjump"/>
-              </a:rPr>
-              <a:t>Orthostatic Hypotension (OH)</a:t>
-            </a:r>
-          </a:p>
-          <a:p>
-            <a:pPr lvl="1"/>
-            <a:r>
-              <a:rPr>
-                <a:hlinkClick r:id="rId6" action="ppaction://hlinksldjump"/>
-              </a:rPr>
-              <a:t>Orthostatic Intolerance (OI)</a:t>
-            </a:r>
-          </a:p>
-          <a:p>
-            <a:pPr lvl="1"/>
-            <a:r>
-              <a:rPr>
-                <a:hlinkClick r:id="rId7" action="ppaction://hlinksldjump"/>
-              </a:rPr>
-              <a:t>Patient Presentation</a:t>
-            </a:r>
-          </a:p>
-          <a:p>
-            <a:pPr lvl="1"/>
-            <a:r>
-              <a:rPr>
-                <a:hlinkClick r:id="rId8" action="ppaction://hlinksldjump"/>
-              </a:rPr>
-              <a:t>Etiology</a:t>
-            </a:r>
-          </a:p>
-          <a:p>
-            <a:pPr lvl="1"/>
-            <a:r>
-              <a:rPr>
-                <a:hlinkClick r:id="rId9" action="ppaction://hlinksldjump"/>
-              </a:rPr>
-              <a:t>Pathophysiology</a:t>
-            </a:r>
-          </a:p>
-          <a:p>
-            <a:pPr lvl="1"/>
-            <a:r>
-              <a:rPr>
-                <a:hlinkClick r:id="rId10" action="ppaction://hlinksldjump"/>
-              </a:rPr>
-              <a:t>Risk factors</a:t>
-            </a:r>
-          </a:p>
-          <a:p>
-            <a:pPr lvl="1"/>
-            <a:r>
-              <a:rPr>
-                <a:hlinkClick r:id="rId11" action="ppaction://hlinksldjump"/>
-              </a:rPr>
-              <a:t>Multivariable analysis</a:t>
-            </a:r>
-          </a:p>
-          <a:p>
-            <a:pPr lvl="1"/>
-            <a:r>
-              <a:rPr>
-                <a:hlinkClick r:id="rId12" action="ppaction://hlinksldjump"/>
-              </a:rPr>
-              <a:t>Pharmacological management</a:t>
-            </a:r>
-          </a:p>
-          <a:p>
-            <a:pPr lvl="1"/>
-            <a:r>
-              <a:rPr>
-                <a:hlinkClick r:id="rId13" action="ppaction://hlinksldjump"/>
-              </a:rPr>
-              <a:t>Hydration</a:t>
-            </a:r>
-          </a:p>
-          <a:p>
-            <a:pPr lvl="1"/>
-            <a:r>
-              <a:rPr>
-                <a:hlinkClick r:id="rId14" action="ppaction://hlinksldjump"/>
-              </a:rPr>
-              <a:t>Caffeine / Caffeine withdrawl</a:t>
-            </a:r>
-          </a:p>
-          <a:p>
-            <a:pPr lvl="1"/>
-            <a:r>
-              <a:rPr>
-                <a:hlinkClick r:id="rId15" action="ppaction://hlinksldjump"/>
-              </a:rPr>
-              <a:t>Sitting up</a:t>
-            </a:r>
-          </a:p>
-          <a:p>
-            <a:pPr lvl="1"/>
-            <a:r>
-              <a:rPr>
-                <a:hlinkClick r:id="rId16" action="ppaction://hlinksldjump"/>
-              </a:rPr>
-              <a:t>Exercise</a:t>
-            </a:r>
-          </a:p>
-          <a:p>
-            <a:pPr lvl="1"/>
-            <a:r>
-              <a:rPr>
-                <a:hlinkClick r:id="rId17" action="ppaction://hlinksldjump"/>
-              </a:rPr>
-              <a:t>Patient Education</a:t>
-            </a:r>
-          </a:p>
-          <a:p>
-            <a:pPr lvl="1"/>
-            <a:r>
-              <a:rPr>
-                <a:hlinkClick r:id="rId18" action="ppaction://hlinksldjump"/>
-              </a:rPr>
-              <a:t>Inpatient approach</a:t>
-            </a:r>
-          </a:p>
-          <a:p>
-            <a:pPr lvl="0"/>
-            <a:r>
-              <a:rPr>
-                <a:hlinkClick r:id="rId19" action="ppaction://hlinksldjump"/>
-              </a:rPr>
-              <a:t>Dropfoot</a:t>
-            </a:r>
-          </a:p>
-          <a:p>
-            <a:pPr lvl="1"/>
-            <a:r>
-              <a:rPr>
-                <a:hlinkClick r:id="rId20" action="ppaction://hlinksldjump"/>
-              </a:rPr>
-              <a:t>Etiology</a:t>
-            </a:r>
-          </a:p>
-          <a:p>
-            <a:pPr lvl="1"/>
-            <a:r>
-              <a:rPr>
-                <a:hlinkClick r:id="rId21" action="ppaction://hlinksldjump"/>
-              </a:rPr>
-              <a:t>Anatomy</a:t>
-            </a:r>
-          </a:p>
-          <a:p>
-            <a:pPr lvl="1"/>
-            <a:r>
-              <a:rPr>
-                <a:hlinkClick r:id="rId22" action="ppaction://hlinksldjump"/>
-              </a:rPr>
-              <a:t>Epidemiology</a:t>
-            </a:r>
-          </a:p>
-          <a:p>
-            <a:pPr lvl="1"/>
-            <a:r>
-              <a:rPr>
-                <a:hlinkClick r:id="rId23" action="ppaction://hlinksldjump"/>
-              </a:rPr>
-              <a:t>Common fibular nerve vs Tibial Nerve</a:t>
-            </a:r>
-          </a:p>
-          <a:p>
-            <a:pPr lvl="1"/>
-            <a:r>
-              <a:rPr>
-                <a:hlinkClick r:id="rId24" action="ppaction://hlinksldjump"/>
-              </a:rPr>
-              <a:t>Patient Presentation</a:t>
-            </a:r>
-          </a:p>
-          <a:p>
-            <a:pPr lvl="2"/>
-            <a:r>
-              <a:rPr>
-                <a:hlinkClick r:id="rId25" action="ppaction://hlinksldjump"/>
-              </a:rPr>
-              <a:t>Sensory symptoms</a:t>
-            </a:r>
-          </a:p>
-          <a:p>
-            <a:pPr lvl="2"/>
-            <a:r>
-              <a:rPr>
-                <a:hlinkClick r:id="rId26" action="ppaction://hlinksldjump"/>
-              </a:rPr>
-              <a:t>Motor Symptoms</a:t>
-            </a:r>
-          </a:p>
-          <a:p>
-            <a:pPr lvl="2"/>
-            <a:r>
-              <a:rPr>
-                <a:hlinkClick r:id="rId27" action="ppaction://hlinksldjump"/>
-              </a:rPr>
-              <a:t>Onsert</a:t>
-            </a:r>
-          </a:p>
-          <a:p>
-            <a:pPr lvl="1"/>
-            <a:r>
-              <a:rPr>
-                <a:hlinkClick r:id="rId28" action="ppaction://hlinksldjump"/>
-              </a:rPr>
-              <a:t>Patient education</a:t>
-            </a:r>
-          </a:p>
-          <a:p>
-            <a:pPr lvl="1"/>
-            <a:r>
-              <a:rPr>
-                <a:hlinkClick r:id="rId29" action="ppaction://hlinksldjump"/>
-              </a:rPr>
-              <a:t>Positioning</a:t>
-            </a:r>
-          </a:p>
-          <a:p>
-            <a:pPr lvl="2"/>
-            <a:r>
-              <a:rPr>
-                <a:hlinkClick r:id="rId30" action="ppaction://hlinksldjump"/>
-              </a:rPr>
-              <a:t>Stretching</a:t>
-            </a:r>
-          </a:p>
-          <a:p>
-            <a:pPr lvl="0"/>
-            <a:r>
-              <a:rPr>
-                <a:hlinkClick r:id="rId31" action="ppaction://hlinksldjump"/>
-              </a:rPr>
-              <a:t>Anemia</a:t>
-            </a:r>
-          </a:p>
-          <a:p>
-            <a:pPr lvl="1"/>
-            <a:r>
-              <a:rPr>
-                <a:hlinkClick r:id="rId32" action="ppaction://hlinksldjump"/>
-              </a:rPr>
-              <a:t>Definition</a:t>
-            </a:r>
-          </a:p>
-          <a:p>
-            <a:pPr lvl="1"/>
-            <a:r>
-              <a:rPr>
-                <a:hlinkClick r:id="rId33" action="ppaction://hlinksldjump"/>
-              </a:rPr>
-              <a:t>Pathophysiology</a:t>
-            </a:r>
-          </a:p>
-          <a:p>
-            <a:pPr lvl="1"/>
-            <a:r>
-              <a:rPr>
-                <a:hlinkClick r:id="rId34" action="ppaction://hlinksldjump"/>
-              </a:rPr>
-              <a:t>Secondary complications</a:t>
-            </a:r>
-          </a:p>
-          <a:p>
-            <a:pPr lvl="1"/>
-            <a:r>
-              <a:rPr>
-                <a:hlinkClick r:id="rId35" action="ppaction://hlinksldjump"/>
-              </a:rPr>
-              <a:t>Management</a:t>
+            <a:pPr lvl="0" indent="0" marL="0">
+              <a:buNone/>
+            </a:pPr>
+            <a:r>
+              <a:rPr/>
+              <a:t>Post-operative complications can cause inpatient physical therapists to attempt therapy on a patient multiple times or even prevent a patient’s discharge, which causes increased load on the physical therapists and PTAs, physical therapy administration, nursing, orthopedic department, and other aspects of the hospital.</a:t>
             </a:r>
           </a:p>
         </p:txBody>
@@ -4870,107 +4640,23 @@
             <a:spLocks noGrp="1"/>
           </p:cNvSpPr>
           <p:nvPr>
-            <p:ph idx="1" sz="half"/>
-          </p:nvPr>
-        </p:nvSpPr>
-        <p:spPr/>
-        <p:txBody>
-          <a:bodyPr/>
-          <a:lstStyle/>
-          <a:p>
-            <a:pPr lvl="0" indent="0" marL="0">
-              <a:buNone/>
-            </a:pPr>
-            <a:r>
-              <a:rPr/>
-              <a:t>Total Hip Arthroplasty</a:t>
-            </a:r>
-          </a:p>
-          <a:p>
-            <a:pPr lvl="0" indent="0" marL="0">
-              <a:buNone/>
-            </a:pPr>
-            <a:r>
-              <a:rPr/>
-              <a:t>Injury to </a:t>
-            </a:r>
-            <a:r>
-              <a:rPr>
-                <a:hlinkClick r:id="rId2"/>
-              </a:rPr>
-              <a:t>Common fibular division</a:t>
-            </a:r>
-            <a:r>
-              <a:rPr/>
-              <a:t> of the </a:t>
-            </a:r>
-            <a:r>
-              <a:rPr>
-                <a:hlinkClick r:id="rId3"/>
-              </a:rPr>
-              <a:t>Sciatic nerve</a:t>
-            </a:r>
-            <a:r>
-              <a:rPr baseline="30000"/>
-              <a:t>6</a:t>
-            </a:r>
-            <a:r>
-              <a:rPr/>
-              <a:t>.</a:t>
-            </a:r>
-          </a:p>
-        </p:txBody>
-      </p:sp>
-      <p:sp>
-        <p:nvSpPr>
-          <p:cNvPr id="4" name="Content Placeholder 3"/>
-          <p:cNvSpPr>
-            <a:spLocks noGrp="1"/>
-          </p:cNvSpPr>
-          <p:nvPr>
-            <p:ph idx="2" sz="half"/>
-          </p:nvPr>
-        </p:nvSpPr>
-        <p:spPr/>
-        <p:txBody>
-          <a:bodyPr/>
-          <a:lstStyle/>
-          <a:p>
-            <a:pPr lvl="0" indent="0" marL="0">
-              <a:buNone/>
-            </a:pPr>
-            <a:r>
-              <a:rPr/>
-              <a:t>Total Knee Arthroplasty</a:t>
-            </a:r>
-          </a:p>
-          <a:p>
-            <a:pPr lvl="0" indent="0" marL="0">
-              <a:buNone/>
-            </a:pPr>
-            <a:r>
-              <a:rPr/>
-              <a:t>During a TKA, either the </a:t>
-            </a:r>
-            <a:r>
-              <a:rPr>
-                <a:hlinkClick r:id="rId4"/>
-              </a:rPr>
-              <a:t>common fibular division of the sciatic nerve</a:t>
-            </a:r>
-            <a:r>
-              <a:rPr/>
-              <a:t> or the </a:t>
-            </a:r>
-            <a:r>
-              <a:rPr>
-                <a:hlinkClick r:id="rId5"/>
-              </a:rPr>
-              <a:t>Common fibular nerve</a:t>
-            </a:r>
-            <a:r>
-              <a:rPr/>
-              <a:t> itself is damaged at some point during the operation.</a:t>
+            <p:ph idx="1"/>
+          </p:nvPr>
+        </p:nvSpPr>
+        <p:spPr/>
+        <p:txBody>
+          <a:bodyPr/>
+          <a:lstStyle/>
+          <a:p>
+            <a:pPr lvl="0" indent="0" marL="0">
+              <a:spcBef>
+                <a:spcPts val="3000"/>
+              </a:spcBef>
+              <a:buNone/>
+            </a:pPr>
+            <a:r>
+              <a:rPr b="1"/>
+              <a:t>Epidemiology</a:t>
             </a:r>
           </a:p>
         </p:txBody>
@@ -5004,23 +4690,90 @@
             <a:spLocks noGrp="1"/>
           </p:cNvSpPr>
           <p:nvPr>
-            <p:ph idx="1"/>
-          </p:nvPr>
-        </p:nvSpPr>
-        <p:spPr/>
-        <p:txBody>
-          <a:bodyPr/>
-          <a:lstStyle/>
-          <a:p>
-            <a:pPr lvl="0" indent="0" marL="0">
-              <a:spcBef>
-                <a:spcPts val="3000"/>
-              </a:spcBef>
-              <a:buNone/>
-            </a:pPr>
-            <a:r>
-              <a:rPr b="1"/>
-              <a:t>Epidemiology</a:t>
+            <p:ph idx="1" sz="half"/>
+          </p:nvPr>
+        </p:nvSpPr>
+        <p:spPr/>
+        <p:txBody>
+          <a:bodyPr/>
+          <a:lstStyle/>
+          <a:p>
+            <a:pPr lvl="0" indent="0" marL="0">
+              <a:buNone/>
+            </a:pPr>
+            <a:r>
+              <a:rPr/>
+              <a:t>Total Hip Arthroplasty</a:t>
+            </a:r>
+          </a:p>
+          <a:p>
+            <a:pPr lvl="0"/>
+            <a:r>
+              <a:rPr/>
+              <a:t>0.08% to 3.7% of primary arthroplasties</a:t>
+            </a:r>
+            <a:r>
+              <a:rPr baseline="30000"/>
+              <a:t>6</a:t>
+            </a:r>
+            <a:r>
+              <a:rPr/>
+              <a:t>.</a:t>
+            </a:r>
+          </a:p>
+          <a:p>
+            <a:pPr lvl="0"/>
+            <a:r>
+              <a:rPr/>
+              <a:t>Up to 7.6% in secondary or revision cases</a:t>
+            </a:r>
+            <a:r>
+              <a:rPr baseline="30000"/>
+              <a:t>6</a:t>
+            </a:r>
+            <a:r>
+              <a:rPr/>
+              <a:t>.</a:t>
+            </a:r>
+          </a:p>
+        </p:txBody>
+      </p:sp>
+      <p:sp>
+        <p:nvSpPr>
+          <p:cNvPr id="4" name="Content Placeholder 3"/>
+          <p:cNvSpPr>
+            <a:spLocks noGrp="1"/>
+          </p:cNvSpPr>
+          <p:nvPr>
+            <p:ph idx="2" sz="half"/>
+          </p:nvPr>
+        </p:nvSpPr>
+        <p:spPr/>
+        <p:txBody>
+          <a:bodyPr/>
+          <a:lstStyle/>
+          <a:p>
+            <a:pPr lvl="0" indent="0" marL="0">
+              <a:buNone/>
+            </a:pPr>
+            <a:r>
+              <a:rPr/>
+              <a:t>Total Knee Arthroplasty</a:t>
+            </a:r>
+          </a:p>
+          <a:p>
+            <a:pPr lvl="0"/>
+            <a:r>
+              <a:rPr/>
+              <a:t>Peroneal nerve palsy occurs in 0% to 9.5% of TKAs</a:t>
+            </a:r>
+            <a:r>
+              <a:rPr baseline="30000"/>
+              <a:t>7</a:t>
+            </a:r>
+            <a:r>
+              <a:rPr/>
+              <a:t>.</a:t>
             </a:r>
           </a:p>
         </p:txBody>
@@ -5054,27 +4807,52 @@
             <a:spLocks noGrp="1"/>
           </p:cNvSpPr>
           <p:nvPr>
-            <p:ph idx="1" sz="half"/>
-          </p:nvPr>
-        </p:nvSpPr>
-        <p:spPr/>
-        <p:txBody>
-          <a:bodyPr/>
-          <a:lstStyle/>
-          <a:p>
-            <a:pPr lvl="0" indent="0" marL="0">
-              <a:buNone/>
-            </a:pPr>
-            <a:r>
-              <a:rPr/>
-              <a:t>Total Hip Arthroplasty</a:t>
-            </a:r>
-          </a:p>
-          <a:p>
-            <a:pPr lvl="0"/>
-            <a:r>
-              <a:rPr/>
-              <a:t>0.08% to 3.7% of primary arthroplasties</a:t>
+            <p:ph idx="1"/>
+          </p:nvPr>
+        </p:nvSpPr>
+        <p:spPr/>
+        <p:txBody>
+          <a:bodyPr/>
+          <a:lstStyle/>
+          <a:p>
+            <a:pPr lvl="0" indent="0" marL="0">
+              <a:spcBef>
+                <a:spcPts val="3000"/>
+              </a:spcBef>
+              <a:buNone/>
+            </a:pPr>
+            <a:r>
+              <a:rPr b="1"/>
+              <a:t>Common fibular nerve vs Tibial Nerve</a:t>
+            </a:r>
+          </a:p>
+          <a:p>
+            <a:pPr lvl="0" indent="0" marL="0">
+              <a:buNone/>
+            </a:pPr>
+            <a:r>
+              <a:rPr/>
+              <a:t>Injuries to the sciatic nerve during total joint arthroplasty can affect the </a:t>
+            </a:r>
+            <a:r>
+              <a:rPr>
+                <a:hlinkClick r:id="rId2"/>
+              </a:rPr>
+              <a:t>Common fibular division</a:t>
+            </a:r>
+            <a:r>
+              <a:rPr/>
+              <a:t> and/or the </a:t>
+            </a:r>
+            <a:r>
+              <a:rPr>
+                <a:hlinkClick r:id="rId3"/>
+              </a:rPr>
+              <a:t>tibial division</a:t>
+            </a:r>
+            <a:r>
+              <a:rPr/>
+              <a:t> of the sciatic nerve</a:t>
             </a:r>
             <a:r>
               <a:rPr baseline="30000"/>
@@ -5086,10 +4864,22 @@
             </a:r>
           </a:p>
           <a:p>
-            <a:pPr lvl="0"/>
-            <a:r>
-              <a:rPr/>
-              <a:t>Up to 7.6% in secondary or revision cases</a:t>
+            <a:pPr lvl="0" indent="0" marL="0">
+              <a:buNone/>
+            </a:pPr>
+            <a:r>
+              <a:rPr/>
+              <a:t>Injuries to the </a:t>
+            </a:r>
+            <a:r>
+              <a:rPr>
+                <a:hlinkClick r:id="rId4"/>
+              </a:rPr>
+              <a:t>tibial division</a:t>
+            </a:r>
+            <a:r>
+              <a:rPr/>
+              <a:t> are less severe and less common</a:t>
             </a:r>
             <a:r>
               <a:rPr baseline="30000"/>
@@ -5100,44 +4890,70 @@
               <a:t>.</a:t>
             </a:r>
           </a:p>
-        </p:txBody>
-      </p:sp>
-      <p:sp>
-        <p:nvSpPr>
-          <p:cNvPr id="4" name="Content Placeholder 3"/>
-          <p:cNvSpPr>
-            <a:spLocks noGrp="1"/>
-          </p:cNvSpPr>
-          <p:nvPr>
-            <p:ph idx="2" sz="half"/>
-          </p:nvPr>
-        </p:nvSpPr>
-        <p:spPr/>
-        <p:txBody>
-          <a:bodyPr/>
-          <a:lstStyle/>
-          <a:p>
-            <a:pPr lvl="0" indent="0" marL="0">
-              <a:buNone/>
-            </a:pPr>
-            <a:r>
-              <a:rPr/>
-              <a:t>Total Knee Arthroplasty</a:t>
-            </a:r>
-          </a:p>
-          <a:p>
-            <a:pPr lvl="0"/>
-            <a:r>
-              <a:rPr/>
-              <a:t>Peroneal nerve palsy occurs in 0% to 9.5% of TKAs</a:t>
-            </a:r>
-            <a:r>
-              <a:rPr baseline="30000"/>
-              <a:t>7</a:t>
-            </a:r>
-            <a:r>
-              <a:rPr/>
-              <a:t>.</a:t>
+          <a:p>
+            <a:pPr lvl="0" indent="0" marL="0">
+              <a:spcBef>
+                <a:spcPts val="3000"/>
+              </a:spcBef>
+              <a:buNone/>
+            </a:pPr>
+            <a:r>
+              <a:rPr b="1"/>
+              <a:t>Patient Presentation</a:t>
+            </a:r>
+          </a:p>
+          <a:p>
+            <a:pPr lvl="0" indent="0" marL="0">
+              <a:spcBef>
+                <a:spcPts val="3000"/>
+              </a:spcBef>
+              <a:buNone/>
+            </a:pPr>
+            <a:r>
+              <a:rPr b="1"/>
+              <a:t>Sensory symptoms</a:t>
+            </a:r>
+          </a:p>
+          <a:p>
+            <a:pPr lvl="0" indent="0" marL="0">
+              <a:buNone/>
+            </a:pPr>
+            <a:r>
+              <a:rPr/>
+              <a:t>Sensory on dorsal aspect of the foot:</a:t>
+            </a:r>
+          </a:p>
+          <a:p>
+            <a:pPr lvl="0"/>
+            <a:r>
+              <a:rPr/>
+              <a:t>Decreased sensation</a:t>
+            </a:r>
+          </a:p>
+          <a:p>
+            <a:pPr lvl="0"/>
+            <a:r>
+              <a:rPr/>
+              <a:t>Numbness</a:t>
+            </a:r>
+          </a:p>
+          <a:p>
+            <a:pPr lvl="0"/>
+            <a:r>
+              <a:rPr/>
+              <a:t>Tingling</a:t>
+            </a:r>
+          </a:p>
+          <a:p>
+            <a:pPr lvl="0" indent="0" marL="0">
+              <a:spcBef>
+                <a:spcPts val="3000"/>
+              </a:spcBef>
+              <a:buNone/>
+            </a:pPr>
+            <a:r>
+              <a:rPr b="1"/>
+              <a:t>Motor Symptoms</a:t>
             </a:r>
           </a:p>
         </p:txBody>
@@ -5171,153 +4987,105 @@
             <a:spLocks noGrp="1"/>
           </p:cNvSpPr>
           <p:nvPr>
-            <p:ph idx="1"/>
-          </p:nvPr>
-        </p:nvSpPr>
-        <p:spPr/>
-        <p:txBody>
-          <a:bodyPr/>
-          <a:lstStyle/>
-          <a:p>
-            <a:pPr lvl="0" indent="0" marL="0">
-              <a:spcBef>
-                <a:spcPts val="3000"/>
-              </a:spcBef>
-              <a:buNone/>
-            </a:pPr>
-            <a:r>
-              <a:rPr b="1"/>
-              <a:t>Common fibular nerve vs Tibial Nerve</a:t>
-            </a:r>
-          </a:p>
-          <a:p>
-            <a:pPr lvl="0" indent="0" marL="0">
-              <a:buNone/>
-            </a:pPr>
-            <a:r>
-              <a:rPr/>
-              <a:t>Injuries to the sciatic nerve during total joint arthroplasty can affect the </a:t>
-            </a:r>
+            <p:ph idx="1" sz="half"/>
+          </p:nvPr>
+        </p:nvSpPr>
+        <p:spPr/>
+        <p:txBody>
+          <a:bodyPr/>
+          <a:lstStyle/>
+          <a:p>
+            <a:pPr lvl="0"/>
             <a:r>
               <a:rPr>
                 <a:hlinkClick r:id="rId2"/>
               </a:rPr>
-              <a:t>Common fibular division</a:t>
-            </a:r>
-            <a:r>
-              <a:rPr/>
-              <a:t> and/or the </a:t>
-            </a:r>
+              <a:t>Tibialis anterior</a:t>
+            </a:r>
+          </a:p>
+          <a:p>
+            <a:pPr lvl="0"/>
             <a:r>
               <a:rPr>
                 <a:hlinkClick r:id="rId3"/>
               </a:rPr>
-              <a:t>tibial division</a:t>
-            </a:r>
-            <a:r>
-              <a:rPr/>
-              <a:t> of the sciatic nerve</a:t>
-            </a:r>
-            <a:r>
-              <a:rPr baseline="30000"/>
-              <a:t>6</a:t>
-            </a:r>
-            <a:r>
-              <a:rPr/>
-              <a:t>.</a:t>
-            </a:r>
-          </a:p>
-          <a:p>
-            <a:pPr lvl="0" indent="0" marL="0">
-              <a:buNone/>
-            </a:pPr>
-            <a:r>
-              <a:rPr/>
-              <a:t>Injuries to the </a:t>
-            </a:r>
+              <a:t>Extensor digitorum longus</a:t>
+            </a:r>
+          </a:p>
+          <a:p>
+            <a:pPr lvl="0"/>
             <a:r>
               <a:rPr>
                 <a:hlinkClick r:id="rId4"/>
               </a:rPr>
-              <a:t>tibial division</a:t>
-            </a:r>
-            <a:r>
-              <a:rPr/>
-              <a:t> are less severe and less common</a:t>
-            </a:r>
-            <a:r>
-              <a:rPr baseline="30000"/>
-              <a:t>6</a:t>
-            </a:r>
-            <a:r>
-              <a:rPr/>
-              <a:t>.</a:t>
-            </a:r>
-          </a:p>
-          <a:p>
-            <a:pPr lvl="0" indent="0" marL="0">
-              <a:spcBef>
-                <a:spcPts val="3000"/>
-              </a:spcBef>
-              <a:buNone/>
-            </a:pPr>
-            <a:r>
-              <a:rPr b="1"/>
-              <a:t>Patient Presentation</a:t>
-            </a:r>
-          </a:p>
-          <a:p>
-            <a:pPr lvl="0" indent="0" marL="0">
-              <a:spcBef>
-                <a:spcPts val="3000"/>
-              </a:spcBef>
-              <a:buNone/>
-            </a:pPr>
-            <a:r>
-              <a:rPr b="1"/>
-              <a:t>Sensory symptoms</a:t>
-            </a:r>
-          </a:p>
-          <a:p>
-            <a:pPr lvl="0" indent="0" marL="0">
-              <a:buNone/>
-            </a:pPr>
-            <a:r>
-              <a:rPr/>
-              <a:t>Sensory on dorsal aspect of the foot:</a:t>
-            </a:r>
-          </a:p>
-          <a:p>
-            <a:pPr lvl="0"/>
-            <a:r>
-              <a:rPr/>
-              <a:t>Decreased sensation</a:t>
-            </a:r>
-          </a:p>
-          <a:p>
-            <a:pPr lvl="0"/>
-            <a:r>
-              <a:rPr/>
-              <a:t>Numbness</a:t>
-            </a:r>
-          </a:p>
-          <a:p>
-            <a:pPr lvl="0"/>
-            <a:r>
-              <a:rPr/>
-              <a:t>Tingling</a:t>
-            </a:r>
-          </a:p>
-          <a:p>
-            <a:pPr lvl="0" indent="0" marL="0">
-              <a:spcBef>
-                <a:spcPts val="3000"/>
-              </a:spcBef>
-              <a:buNone/>
-            </a:pPr>
-            <a:r>
-              <a:rPr b="1"/>
-              <a:t>Motor Symptoms</a:t>
+              <a:t>Extensor hallucis longus</a:t>
+            </a:r>
+          </a:p>
+          <a:p>
+            <a:pPr lvl="0"/>
+            <a:r>
+              <a:rPr>
+                <a:hlinkClick r:id="rId5"/>
+              </a:rPr>
+              <a:t>Fibularis longus</a:t>
+            </a:r>
+          </a:p>
+          <a:p>
+            <a:pPr lvl="0"/>
+            <a:r>
+              <a:rPr>
+                <a:hlinkClick r:id="rId6"/>
+              </a:rPr>
+              <a:t>Fibularis brevis</a:t>
+            </a:r>
+          </a:p>
+          <a:p>
+            <a:pPr lvl="0"/>
+            <a:r>
+              <a:rPr>
+                <a:hlinkClick r:id="rId7"/>
+              </a:rPr>
+              <a:t>Fibularis tertius</a:t>
+            </a:r>
+          </a:p>
+        </p:txBody>
+      </p:sp>
+      <p:sp>
+        <p:nvSpPr>
+          <p:cNvPr id="4" name="Content Placeholder 3"/>
+          <p:cNvSpPr>
+            <a:spLocks noGrp="1"/>
+          </p:cNvSpPr>
+          <p:nvPr>
+            <p:ph idx="2" sz="half"/>
+          </p:nvPr>
+        </p:nvSpPr>
+        <p:spPr/>
+        <p:txBody>
+          <a:bodyPr/>
+          <a:lstStyle/>
+          <a:p>
+            <a:pPr lvl="0"/>
+            <a:r>
+              <a:rPr/>
+              <a:t>Dorsiflexion weakness/paralysis (</a:t>
+            </a:r>
+            <a:r>
+              <a:rPr>
+                <a:hlinkClick r:id="rId8"/>
+              </a:rPr>
+              <a:t>footdrop</a:t>
+            </a:r>
+            <a:r>
+              <a:rPr/>
+              <a:t>)</a:t>
+            </a:r>
+          </a:p>
+          <a:p>
+            <a:pPr lvl="0"/>
+            <a:r>
+              <a:rPr/>
+              <a:t>Eversion weakness/paralysis</a:t>
             </a:r>
           </a:p>
         </p:txBody>
@@ -5351,105 +5119,148 @@
             <a:spLocks noGrp="1"/>
           </p:cNvSpPr>
           <p:nvPr>
-            <p:ph idx="1" sz="half"/>
-          </p:nvPr>
-        </p:nvSpPr>
-        <p:spPr/>
-        <p:txBody>
-          <a:bodyPr/>
-          <a:lstStyle/>
-          <a:p>
-            <a:pPr lvl="0"/>
+            <p:ph idx="1"/>
+          </p:nvPr>
+        </p:nvSpPr>
+        <p:spPr/>
+        <p:txBody>
+          <a:bodyPr/>
+          <a:lstStyle/>
+          <a:p>
+            <a:pPr lvl="0" indent="0" marL="0">
+              <a:spcBef>
+                <a:spcPts val="3000"/>
+              </a:spcBef>
+              <a:buNone/>
+            </a:pPr>
+            <a:r>
+              <a:rPr b="1"/>
+              <a:t>Onsert</a:t>
+            </a:r>
+          </a:p>
+          <a:p>
+            <a:pPr lvl="0" indent="0" marL="0">
+              <a:buNone/>
+            </a:pPr>
+            <a:r>
+              <a:rPr/>
+              <a:t>Symptoms should be present by shortly after the operation in the recovery room or at the ward</a:t>
+            </a:r>
+            <a:r>
+              <a:rPr baseline="30000"/>
+              <a:t>7</a:t>
+            </a:r>
+            <a:r>
+              <a:rPr/>
+              <a:t>.</a:t>
+            </a:r>
+          </a:p>
+          <a:p>
+            <a:pPr lvl="0" indent="0" marL="0">
+              <a:spcBef>
+                <a:spcPts val="3000"/>
+              </a:spcBef>
+              <a:buNone/>
+            </a:pPr>
+            <a:r>
+              <a:rPr b="1"/>
+              <a:t>Patient education</a:t>
+            </a:r>
+          </a:p>
+          <a:p>
+            <a:pPr lvl="0" indent="0" marL="0">
+              <a:buNone/>
+            </a:pPr>
+            <a:r>
+              <a:rPr/>
+              <a:t>If the </a:t>
+            </a:r>
             <a:r>
               <a:rPr>
                 <a:hlinkClick r:id="rId2"/>
               </a:rPr>
-              <a:t>Tibialis anterior</a:t>
-            </a:r>
-          </a:p>
-          <a:p>
-            <a:pPr lvl="0"/>
+              <a:t>foot drop</a:t>
+            </a:r>
+            <a:r>
+              <a:rPr/>
+              <a:t> is caused by the surgery, you shoudl educate the patient that they need to advocate for themselves.</a:t>
+            </a:r>
+          </a:p>
+          <a:p>
+            <a:pPr lvl="0" indent="0" marL="0">
+              <a:buNone/>
+            </a:pPr>
+            <a:r>
+              <a:rPr/>
+              <a:t>Home health PT and OP PT need to understand that dropfoot is part of the surgery and thus insurance covers the rehabilitation of this impairment.</a:t>
+            </a:r>
+          </a:p>
+          <a:p>
+            <a:pPr lvl="0" indent="0" marL="0">
+              <a:spcBef>
+                <a:spcPts val="3000"/>
+              </a:spcBef>
+              <a:buNone/>
+            </a:pPr>
+            <a:r>
+              <a:rPr b="1"/>
+              <a:t>Positioning</a:t>
+            </a:r>
+          </a:p>
+          <a:p>
+            <a:pPr lvl="0" indent="0" marL="0">
+              <a:buNone/>
+            </a:pPr>
+            <a:r>
+              <a:rPr/>
+              <a:t>Passively positioning the ankle in dorsiflexion and eversion is important to prevent contractures</a:t>
+            </a:r>
+            <a:r>
+              <a:rPr baseline="30000"/>
+              <a:t>8</a:t>
+            </a:r>
+            <a:r>
+              <a:rPr/>
+              <a:t>.</a:t>
+            </a:r>
+          </a:p>
+          <a:p>
+            <a:pPr lvl="0" indent="0" marL="0">
+              <a:spcBef>
+                <a:spcPts val="3000"/>
+              </a:spcBef>
+              <a:buNone/>
+            </a:pPr>
+            <a:r>
+              <a:rPr b="1"/>
+              <a:t>Stretching</a:t>
+            </a:r>
+          </a:p>
+          <a:p>
+            <a:pPr lvl="0" indent="0" marL="0">
+              <a:buNone/>
+            </a:pPr>
+            <a:r>
+              <a:rPr/>
+              <a:t>Stretching the </a:t>
+            </a:r>
             <a:r>
               <a:rPr>
                 <a:hlinkClick r:id="rId3"/>
               </a:rPr>
-              <a:t>Extensor digitorum longus</a:t>
-            </a:r>
-          </a:p>
-          <a:p>
-            <a:pPr lvl="0"/>
-            <a:r>
-              <a:rPr>
-                <a:hlinkClick r:id="rId4"/>
-              </a:rPr>
-              <a:t>Extensor hallucis longus</a:t>
-            </a:r>
-          </a:p>
-          <a:p>
-            <a:pPr lvl="0"/>
-            <a:r>
-              <a:rPr>
-                <a:hlinkClick r:id="rId5"/>
-              </a:rPr>
-              <a:t>Fibularis longus</a:t>
-            </a:r>
-          </a:p>
-          <a:p>
-            <a:pPr lvl="0"/>
-            <a:r>
-              <a:rPr>
-                <a:hlinkClick r:id="rId6"/>
-              </a:rPr>
-              <a:t>Fibularis brevis</a:t>
-            </a:r>
-          </a:p>
-          <a:p>
-            <a:pPr lvl="0"/>
-            <a:r>
-              <a:rPr>
-                <a:hlinkClick r:id="rId7"/>
-              </a:rPr>
-              <a:t>Fibularis tertius</a:t>
-            </a:r>
-          </a:p>
-        </p:txBody>
-      </p:sp>
-      <p:sp>
-        <p:nvSpPr>
-          <p:cNvPr id="4" name="Content Placeholder 3"/>
-          <p:cNvSpPr>
-            <a:spLocks noGrp="1"/>
-          </p:cNvSpPr>
-          <p:nvPr>
-            <p:ph idx="2" sz="half"/>
-          </p:nvPr>
-        </p:nvSpPr>
-        <p:spPr/>
-        <p:txBody>
-          <a:bodyPr/>
-          <a:lstStyle/>
-          <a:p>
-            <a:pPr lvl="0"/>
-            <a:r>
-              <a:rPr/>
-              <a:t>Dorsiflexion weakness/paralysis (</a:t>
-            </a:r>
-            <a:r>
-              <a:rPr>
-                <a:hlinkClick r:id="rId8"/>
-              </a:rPr>
-              <a:t>footdrop</a:t>
-            </a:r>
-            <a:r>
-              <a:rPr/>
-              <a:t>)</a:t>
-            </a:r>
-          </a:p>
-          <a:p>
-            <a:pPr lvl="0"/>
-            <a:r>
-              <a:rPr/>
-              <a:t>Eversion weakness/paralysis</a:t>
+              <a:t>Triceps surae</a:t>
+            </a:r>
+            <a:r>
+              <a:rPr/>
+              <a:t> and the associated achilles tendon is important to prevent contractures</a:t>
+            </a:r>
+            <a:r>
+              <a:rPr baseline="30000"/>
+              <a:t>8</a:t>
+            </a:r>
+            <a:r>
+              <a:rPr/>
+              <a:t>.</a:t>
             </a:r>
           </a:p>
         </p:txBody>
@@ -5478,6 +5289,31 @@
       </p:grpSpPr>
       <p:sp>
         <p:nvSpPr>
+          <p:cNvPr id="2" name="Title 1"/>
+          <p:cNvSpPr>
+            <a:spLocks noGrp="1"/>
+          </p:cNvSpPr>
+          <p:nvPr>
+            <p:ph type="title"/>
+          </p:nvPr>
+        </p:nvSpPr>
+        <p:spPr/>
+        <p:txBody>
+          <a:bodyPr/>
+          <a:lstStyle/>
+          <a:p>
+            <a:pPr lvl="0" indent="0" marL="0">
+              <a:buNone/>
+            </a:pPr>
+            <a:r>
+              <a:rPr/>
+              <a:t>Anemia</a:t>
+            </a:r>
+          </a:p>
+        </p:txBody>
+      </p:sp>
+      <p:sp>
+        <p:nvSpPr>
           <p:cNvPr id="3" name="Content Placeholder 2"/>
           <p:cNvSpPr>
             <a:spLocks noGrp="1"/>
@@ -5499,24 +5335,38 @@
             </a:pPr>
             <a:r>
               <a:rPr b="1"/>
-              <a:t>Onsert</a:t>
-            </a:r>
-          </a:p>
-          <a:p>
-            <a:pPr lvl="0" indent="0" marL="0">
-              <a:buNone/>
-            </a:pPr>
-            <a:r>
-              <a:rPr/>
-              <a:t>Symptoms should be present by shortly after the operation in the recovery room or at the ward</a:t>
-            </a:r>
-            <a:r>
-              <a:rPr baseline="30000"/>
-              <a:t>7</a:t>
-            </a:r>
-            <a:r>
-              <a:rPr/>
-              <a:t>.</a:t>
+              <a:t>Definition</a:t>
+            </a:r>
+          </a:p>
+          <a:p>
+            <a:pPr lvl="0" indent="0" marL="0">
+              <a:buNone/>
+            </a:pPr>
+            <a:r>
+              <a:rPr/>
+              <a:t>Hemoglobin (HB) level is below the normative value:</a:t>
+            </a:r>
+          </a:p>
+          <a:p>
+            <a:pPr lvl="0"/>
+            <a:r>
+              <a:rPr/>
+              <a:t>&lt;13 g/dl for Males</a:t>
+            </a:r>
+            <a:r>
+              <a:rPr baseline="30000"/>
+              <a:t>9</a:t>
+            </a:r>
+          </a:p>
+          <a:p>
+            <a:pPr lvl="0"/>
+            <a:r>
+              <a:rPr/>
+              <a:t>&lt;12 g/dl for Females</a:t>
+            </a:r>
+            <a:r>
+              <a:rPr baseline="30000"/>
+              <a:t>9</a:t>
             </a:r>
           </a:p>
           <a:p>
@@ -5528,35 +5378,74 @@
             </a:pPr>
             <a:r>
               <a:rPr b="1"/>
-              <a:t>Patient education</a:t>
-            </a:r>
-          </a:p>
-          <a:p>
-            <a:pPr lvl="0" indent="0" marL="0">
-              <a:buNone/>
-            </a:pPr>
-            <a:r>
-              <a:rPr/>
-              <a:t>If the </a:t>
-            </a:r>
+              <a:t>Pathophysiology</a:t>
+            </a:r>
+          </a:p>
+          <a:p>
+            <a:pPr lvl="0" indent="0" marL="0">
+              <a:buNone/>
+            </a:pPr>
+            <a:r>
+              <a:rPr/>
+              <a:t>Occurs due to blood loss from internal bleeding from the surgery.</a:t>
+            </a:r>
+          </a:p>
+          <a:p>
+            <a:pPr lvl="0" indent="0" marL="0">
+              <a:spcBef>
+                <a:spcPts val="3000"/>
+              </a:spcBef>
+              <a:buNone/>
+            </a:pPr>
+            <a:r>
+              <a:rPr b="1"/>
+              <a:t>Secondary complications</a:t>
+            </a:r>
+          </a:p>
+          <a:p>
+            <a:pPr lvl="0"/>
+            <a:r>
+              <a:rPr/>
+              <a:t>acute kidney injury (AKI)</a:t>
+            </a:r>
+            <a:r>
+              <a:rPr baseline="30000"/>
+              <a:t>9</a:t>
+            </a:r>
+          </a:p>
+          <a:p>
+            <a:pPr lvl="0"/>
+            <a:r>
+              <a:rPr/>
+              <a:t>Delirium due to decreased oxygen transport</a:t>
+            </a:r>
+            <a:r>
+              <a:rPr baseline="30000"/>
+              <a:t>9</a:t>
+            </a:r>
+          </a:p>
+          <a:p>
+            <a:pPr lvl="1"/>
+            <a:r>
+              <a:rPr/>
+              <a:t>Delirium often occurs postoperatively with an incidence of up to 74%</a:t>
+            </a:r>
+            <a:r>
+              <a:rPr baseline="30000"/>
+              <a:t>9</a:t>
+            </a:r>
+          </a:p>
+          <a:p>
+            <a:pPr lvl="0"/>
             <a:r>
               <a:rPr>
                 <a:hlinkClick r:id="rId2"/>
               </a:rPr>
-              <a:t>foot drop</a:t>
-            </a:r>
-            <a:r>
-              <a:rPr/>
-              <a:t> is caused by the surgery, you shoudl educate the patient that they need to advocate for themselves.</a:t>
-            </a:r>
-          </a:p>
-          <a:p>
-            <a:pPr lvl="0" indent="0" marL="0">
-              <a:buNone/>
-            </a:pPr>
-            <a:r>
-              <a:rPr/>
-              <a:t>Home health PT and OP PT need to understand that dropfoot is part of the surgery and thus insurance covers the rehabilitation of this impairment.</a:t>
+              <a:t>Orthostatic intolerance</a:t>
+            </a:r>
+            <a:r>
+              <a:rPr baseline="30000"/>
+              <a:t>1</a:t>
             </a:r>
           </a:p>
           <a:p>
@@ -5568,59 +5457,35 @@
             </a:pPr>
             <a:r>
               <a:rPr b="1"/>
-              <a:t>Positioning</a:t>
-            </a:r>
-          </a:p>
-          <a:p>
-            <a:pPr lvl="0" indent="0" marL="0">
-              <a:buNone/>
-            </a:pPr>
-            <a:r>
-              <a:rPr/>
-              <a:t>Passively positioning the ankle in dorsiflexion and eversion is important to prevent contractures</a:t>
-            </a:r>
-            <a:r>
-              <a:rPr baseline="30000"/>
-              <a:t>8</a:t>
-            </a:r>
-            <a:r>
-              <a:rPr/>
-              <a:t>.</a:t>
-            </a:r>
-          </a:p>
-          <a:p>
-            <a:pPr lvl="0" indent="0" marL="0">
-              <a:spcBef>
-                <a:spcPts val="3000"/>
-              </a:spcBef>
-              <a:buNone/>
-            </a:pPr>
-            <a:r>
-              <a:rPr b="1"/>
-              <a:t>Stretching</a:t>
-            </a:r>
-          </a:p>
-          <a:p>
-            <a:pPr lvl="0" indent="0" marL="0">
-              <a:buNone/>
-            </a:pPr>
-            <a:r>
-              <a:rPr/>
-              <a:t>Stretching the </a:t>
-            </a:r>
+              <a:t>Management</a:t>
+            </a:r>
+          </a:p>
+          <a:p>
+            <a:pPr lvl="0" indent="0" marL="0">
+              <a:buNone/>
+            </a:pPr>
+            <a:r>
+              <a:rPr/>
+              <a:t>There is very little physical therapists can perform in the short term to prevent acute iatrogenic anemia.</a:t>
+            </a:r>
+          </a:p>
+          <a:p>
+            <a:pPr lvl="0" indent="0" marL="0">
+              <a:buNone/>
+            </a:pPr>
             <a:r>
               <a:rPr>
                 <a:hlinkClick r:id="rId3"/>
               </a:rPr>
-              <a:t>Triceps surae</a:t>
-            </a:r>
-            <a:r>
-              <a:rPr/>
-              <a:t> and the associated achilles tendon is important to prevent contractures</a:t>
-            </a:r>
-            <a:r>
-              <a:rPr baseline="30000"/>
-              <a:t>8</a:t>
+              <a:t>Orthostatic intolerance</a:t>
+            </a:r>
+            <a:r>
+              <a:rPr/>
+              <a:t> is the main impact of post-op anemia on the PT evaluation. Use the management strategies outlined above to manage the secondary symptoms of anemia</a:t>
+            </a:r>
+            <a:r>
+              <a:rPr baseline="30000"/>
+              <a:t>1</a:t>
             </a:r>
             <a:r>
               <a:rPr/>
@@ -5671,7 +5536,7 @@
             </a:pPr>
             <a:r>
               <a:rPr/>
-              <a:t>Anemia</a:t>
+              <a:t>References</a:t>
             </a:r>
           </a:p>
         </p:txBody>
@@ -5692,373 +5557,207 @@
           <a:lstStyle/>
           <a:p>
             <a:pPr lvl="0" indent="0" marL="0">
-              <a:spcBef>
-                <a:spcPts val="3000"/>
-              </a:spcBef>
-              <a:buNone/>
-            </a:pPr>
-            <a:r>
-              <a:rPr b="1"/>
-              <a:t>Definition</a:t>
-            </a:r>
-          </a:p>
-          <a:p>
-            <a:pPr lvl="0" indent="0" marL="0">
-              <a:buNone/>
-            </a:pPr>
-            <a:r>
-              <a:rPr/>
-              <a:t>Hemoglobin (HB) level is below the normative value:</a:t>
-            </a:r>
-          </a:p>
-          <a:p>
-            <a:pPr lvl="0"/>
-            <a:r>
-              <a:rPr/>
-              <a:t>&lt;13 g/dl for Males</a:t>
-            </a:r>
-            <a:r>
-              <a:rPr baseline="30000"/>
-              <a:t>9</a:t>
-            </a:r>
-          </a:p>
-          <a:p>
-            <a:pPr lvl="0"/>
-            <a:r>
-              <a:rPr/>
-              <a:t>&lt;12 g/dl for Females</a:t>
-            </a:r>
-            <a:r>
-              <a:rPr baseline="30000"/>
-              <a:t>9</a:t>
-            </a:r>
-          </a:p>
-          <a:p>
-            <a:pPr lvl="0" indent="0" marL="0">
-              <a:spcBef>
-                <a:spcPts val="3000"/>
-              </a:spcBef>
-              <a:buNone/>
-            </a:pPr>
-            <a:r>
-              <a:rPr b="1"/>
-              <a:t>Pathophysiology</a:t>
-            </a:r>
-          </a:p>
-          <a:p>
-            <a:pPr lvl="0" indent="0" marL="0">
-              <a:buNone/>
-            </a:pPr>
-            <a:r>
-              <a:rPr/>
-              <a:t>Occurs due to blood loss from internal bleeding from the surgery.</a:t>
-            </a:r>
-          </a:p>
-          <a:p>
-            <a:pPr lvl="0" indent="0" marL="0">
-              <a:spcBef>
-                <a:spcPts val="3000"/>
-              </a:spcBef>
-              <a:buNone/>
-            </a:pPr>
-            <a:r>
-              <a:rPr b="1"/>
-              <a:t>Secondary complications</a:t>
-            </a:r>
-          </a:p>
-          <a:p>
-            <a:pPr lvl="0"/>
-            <a:r>
-              <a:rPr/>
-              <a:t>acute kidney injury (AKI)</a:t>
-            </a:r>
-            <a:r>
-              <a:rPr baseline="30000"/>
-              <a:t>9</a:t>
-            </a:r>
-          </a:p>
-          <a:p>
-            <a:pPr lvl="0"/>
-            <a:r>
-              <a:rPr/>
-              <a:t>Delirium due to decreased oxygen transport</a:t>
-            </a:r>
-            <a:r>
-              <a:rPr baseline="30000"/>
-              <a:t>9</a:t>
-            </a:r>
-          </a:p>
-          <a:p>
-            <a:pPr lvl="1"/>
-            <a:r>
-              <a:rPr/>
-              <a:t>Delirium often occurs postoperatively with an incidence of up to 74%</a:t>
-            </a:r>
-            <a:r>
-              <a:rPr baseline="30000"/>
-              <a:t>9</a:t>
-            </a:r>
-          </a:p>
-          <a:p>
-            <a:pPr lvl="0"/>
+              <a:buNone/>
+            </a:pPr>
+            <a:r>
+              <a:rPr/>
+              <a:t>1. Kurkis GM, Dennis DA, Johnson RM, Mejia M, Yazdani-Farsad Y, Jennings JM. Incidence and Risk Factors of Orthostasis After Primary Hip and Knee Arthroplasty. </a:t>
+            </a:r>
+            <a:r>
+              <a:rPr i="1"/>
+              <a:t>The Journal of Arthroplasty</a:t>
+            </a:r>
+            <a:r>
+              <a:rPr/>
+              <a:t>. 2022;37(6S):S70-S75. doi:</a:t>
+            </a:r>
             <a:r>
               <a:rPr>
                 <a:hlinkClick r:id="rId2"/>
               </a:rPr>
-              <a:t>Orthostatic intolerance</a:t>
-            </a:r>
-            <a:r>
-              <a:rPr baseline="30000"/>
-              <a:t>1</a:t>
-            </a:r>
-          </a:p>
-          <a:p>
-            <a:pPr lvl="0" indent="0" marL="0">
-              <a:spcBef>
-                <a:spcPts val="3000"/>
-              </a:spcBef>
-              <a:buNone/>
-            </a:pPr>
-            <a:r>
-              <a:rPr b="1"/>
-              <a:t>Management</a:t>
-            </a:r>
-          </a:p>
-          <a:p>
-            <a:pPr lvl="0" indent="0" marL="0">
-              <a:buNone/>
-            </a:pPr>
-            <a:r>
-              <a:rPr/>
-              <a:t>There is very little physical therapists can perform in the short term to prevent acute iatrogenic anemia.</a:t>
-            </a:r>
-          </a:p>
-          <a:p>
-            <a:pPr lvl="0" indent="0" marL="0">
-              <a:buNone/>
-            </a:pPr>
+              <a:t>10.1016/j.arth.2022.01.035</a:t>
+            </a:r>
+          </a:p>
+          <a:p>
+            <a:pPr lvl="0" indent="0" marL="0">
+              <a:buNone/>
+            </a:pPr>
+            <a:r>
+              <a:rPr/>
+              <a:t>2. Mills PB, Fung CK, Travlos A, Krassioukov A. Nonpharmacologic management of orthostatic hypotension: A systematic review. </a:t>
+            </a:r>
+            <a:r>
+              <a:rPr i="1"/>
+              <a:t>Archives of Physical Medicine and Rehabilitation</a:t>
+            </a:r>
+            <a:r>
+              <a:rPr/>
+              <a:t>. 2015;96(2):366-375.e6. doi:</a:t>
+            </a:r>
             <a:r>
               <a:rPr>
                 <a:hlinkClick r:id="rId3"/>
               </a:rPr>
-              <a:t>Orthostatic intolerance</a:t>
-            </a:r>
-            <a:r>
-              <a:rPr/>
-              <a:t> is the main impact of post-op anemia on the PT evaluation. Use the management strategies outlined above to manage the secondary symptoms of anemia</a:t>
-            </a:r>
-            <a:r>
-              <a:rPr baseline="30000"/>
-              <a:t>1</a:t>
-            </a:r>
-            <a:r>
-              <a:rPr/>
-              <a:t>.</a:t>
-            </a:r>
-          </a:p>
-          <a:p>
-            <a:pPr lvl="0" indent="0" marL="0">
-              <a:buNone/>
-            </a:pPr>
-            <a:r>
-              <a:rPr/>
-              <a:t>1. Kurkis GM, Dennis DA, Johnson RM, Mejia M, Yazdani-Farsad Y, Jennings JM. Incidence and Risk Factors of Orthostasis After Primary Hip and Knee Arthroplasty. </a:t>
+              <a:t>10.1016/j.apmr.2014.09.028</a:t>
+            </a:r>
+          </a:p>
+          <a:p>
+            <a:pPr lvl="0" indent="0" marL="0">
+              <a:buNone/>
+            </a:pPr>
+            <a:r>
+              <a:rPr/>
+              <a:t>3. Figueroa JJ, Basford JR, Low PA. Preventing and treating orthostatic hypotension: As easy as A, B, C. </a:t>
             </a:r>
             <a:r>
               <a:rPr i="1"/>
-              <a:t>The Journal of Arthroplasty</a:t>
-            </a:r>
-            <a:r>
-              <a:rPr/>
-              <a:t>. 2022;37(6S):S70-S75. doi:</a:t>
+              <a:t>Cleveland Clinic Journal of Medicine</a:t>
+            </a:r>
+            <a:r>
+              <a:rPr/>
+              <a:t>. 2010;77(5):298-306. doi:</a:t>
             </a:r>
             <a:r>
               <a:rPr>
                 <a:hlinkClick r:id="rId4"/>
               </a:rPr>
-              <a:t>10.1016/j.arth.2022.01.035</a:t>
-            </a:r>
-          </a:p>
-          <a:p>
-            <a:pPr lvl="0" indent="0" marL="0">
-              <a:buNone/>
-            </a:pPr>
-            <a:r>
-              <a:rPr/>
-              <a:t>2. Mills PB, Fung CK, Travlos A, Krassioukov A. Nonpharmacologic management of orthostatic hypotension: A systematic review. </a:t>
+              <a:t>10.3949/ccjm.77a.09118</a:t>
+            </a:r>
+          </a:p>
+          <a:p>
+            <a:pPr lvl="0" indent="0" marL="0">
+              <a:buNone/>
+            </a:pPr>
+            <a:r>
+              <a:rPr/>
+              <a:t>4. Miller RH, Lowry JL, Meardon SA, Gillette JC. Lower extremity mechanics of iliotibial band syndrome during an exhaustive run. </a:t>
             </a:r>
             <a:r>
               <a:rPr i="1"/>
-              <a:t>Archives of Physical Medicine and Rehabilitation</a:t>
-            </a:r>
-            <a:r>
-              <a:rPr/>
-              <a:t>. 2015;96(2):366-375.e6. doi:</a:t>
+              <a:t>Gait &amp; Posture</a:t>
+            </a:r>
+            <a:r>
+              <a:rPr/>
+              <a:t>. 2007;26(3):407-413. doi:</a:t>
             </a:r>
             <a:r>
               <a:rPr>
                 <a:hlinkClick r:id="rId5"/>
               </a:rPr>
-              <a:t>10.1016/j.apmr.2014.09.028</a:t>
-            </a:r>
-          </a:p>
-          <a:p>
-            <a:pPr lvl="0" indent="0" marL="0">
-              <a:buNone/>
-            </a:pPr>
-            <a:r>
-              <a:rPr/>
-              <a:t>3. Figueroa JJ, Basford JR, Low PA. Preventing and treating orthostatic hypotension: As easy as A, B, C. </a:t>
+              <a:t>10.1016/j.gaitpost.2006.10.007</a:t>
+            </a:r>
+          </a:p>
+          <a:p>
+            <a:pPr lvl="0" indent="0" marL="0">
+              <a:buNone/>
+            </a:pPr>
+            <a:r>
+              <a:rPr/>
+              <a:t>5. Gibbon JR, Frith J. The effects of caffeine in adults with neurogenic orthostatic hypotension: A systematic review. </a:t>
             </a:r>
             <a:r>
               <a:rPr i="1"/>
-              <a:t>Cleveland Clinic Journal of Medicine</a:t>
-            </a:r>
-            <a:r>
-              <a:rPr/>
-              <a:t>. 2010;77(5):298-306. doi:</a:t>
+              <a:t>Clinical Autonomic Research: Official Journal of the Clinical Autonomic Research Society</a:t>
+            </a:r>
+            <a:r>
+              <a:rPr/>
+              <a:t>. 2021;31(4):499-509. doi:</a:t>
             </a:r>
             <a:r>
               <a:rPr>
                 <a:hlinkClick r:id="rId6"/>
               </a:rPr>
-              <a:t>10.3949/ccjm.77a.09118</a:t>
-            </a:r>
-          </a:p>
-          <a:p>
-            <a:pPr lvl="0" indent="0" marL="0">
-              <a:buNone/>
-            </a:pPr>
-            <a:r>
-              <a:rPr/>
-              <a:t>4. Miller RH, Lowry JL, Meardon SA, Gillette JC. Lower extremity mechanics of iliotibial band syndrome during an exhaustive run. </a:t>
+              <a:t>10.1007/s10286-021-00814-5</a:t>
+            </a:r>
+          </a:p>
+          <a:p>
+            <a:pPr lvl="0" indent="0" marL="0">
+              <a:buNone/>
+            </a:pPr>
+            <a:r>
+              <a:rPr/>
+              <a:t>6. Wu KY, Amrami KK, Hayford KM, Spinner RJ. Characterizing peroneal nerve injury clinicoradiological patterns with MRI in patients with sciatic neuropathy and foot drop after total hip replacement. </a:t>
             </a:r>
             <a:r>
               <a:rPr i="1"/>
-              <a:t>Gait &amp; Posture</a:t>
-            </a:r>
-            <a:r>
-              <a:rPr/>
-              <a:t>. 2007;26(3):407-413. doi:</a:t>
+              <a:t>Journal of Neurosurgery</a:t>
+            </a:r>
+            <a:r>
+              <a:rPr/>
+              <a:t>. 2023;139(6):1560-1567. doi:</a:t>
             </a:r>
             <a:r>
               <a:rPr>
                 <a:hlinkClick r:id="rId7"/>
               </a:rPr>
-              <a:t>10.1016/j.gaitpost.2006.10.007</a:t>
-            </a:r>
-          </a:p>
-          <a:p>
-            <a:pPr lvl="0" indent="0" marL="0">
-              <a:buNone/>
-            </a:pPr>
-            <a:r>
-              <a:rPr/>
-              <a:t>5. Gibbon JR, Frith J. The effects of caffeine in adults with neurogenic orthostatic hypotension: A systematic review. </a:t>
+              <a:t>10.3171/2023.5.JNS23173</a:t>
+            </a:r>
+          </a:p>
+          <a:p>
+            <a:pPr lvl="0" indent="0" marL="0">
+              <a:buNone/>
+            </a:pPr>
+            <a:r>
+              <a:rPr/>
+              <a:t>7. Schinsky MF, Macaulay W, Parks ML, Kiernan H, Nercessian OA. Nerve injury after primary total knee arthroplasty. </a:t>
             </a:r>
             <a:r>
               <a:rPr i="1"/>
-              <a:t>Clinical Autonomic Research: Official Journal of the Clinical Autonomic Research Society</a:t>
-            </a:r>
-            <a:r>
-              <a:rPr/>
-              <a:t>. 2021;31(4):499-509. doi:</a:t>
+              <a:t>The Journal of Arthroplasty</a:t>
+            </a:r>
+            <a:r>
+              <a:rPr/>
+              <a:t>. 2001;16(8):1048-1054. doi:</a:t>
             </a:r>
             <a:r>
               <a:rPr>
                 <a:hlinkClick r:id="rId8"/>
               </a:rPr>
-              <a:t>10.1007/s10286-021-00814-5</a:t>
-            </a:r>
-          </a:p>
-          <a:p>
-            <a:pPr lvl="0" indent="0" marL="0">
-              <a:buNone/>
-            </a:pPr>
-            <a:r>
-              <a:rPr/>
-              <a:t>6. Wu KY, Amrami KK, Hayford KM, Spinner RJ. Characterizing peroneal nerve injury clinicoradiological patterns with MRI in patients with sciatic neuropathy and foot drop after total hip replacement. </a:t>
+              <a:t>10.1054/arth.2001.26591</a:t>
+            </a:r>
+          </a:p>
+          <a:p>
+            <a:pPr lvl="0" indent="0" marL="0">
+              <a:buNone/>
+            </a:pPr>
+            <a:r>
+              <a:rPr/>
+              <a:t>8. Mohani MR, Arya N, Ratnani G, Harjpal P, Phansopkar P. Comprehensive Rehabilitation of a Patient With Foot Drop Secondary to Lumbar Canal Stenosis: A Case Report. </a:t>
             </a:r>
             <a:r>
               <a:rPr i="1"/>
-              <a:t>Journal of Neurosurgery</a:t>
-            </a:r>
-            <a:r>
-              <a:rPr/>
-              <a:t>. 2023;139(6):1560-1567. doi:</a:t>
+              <a:t>Cureus</a:t>
+            </a:r>
+            <a:r>
+              <a:rPr/>
+              <a:t>. 2024;16(1):e52275. doi:</a:t>
             </a:r>
             <a:r>
               <a:rPr>
                 <a:hlinkClick r:id="rId9"/>
               </a:rPr>
-              <a:t>10.3171/2023.5.JNS23173</a:t>
-            </a:r>
-          </a:p>
-          <a:p>
-            <a:pPr lvl="0" indent="0" marL="0">
-              <a:buNone/>
-            </a:pPr>
-            <a:r>
-              <a:rPr/>
-              <a:t>7. Schinsky MF, Macaulay W, Parks ML, Kiernan H, Nercessian OA. Nerve injury after primary total knee arthroplasty. </a:t>
+              <a:t>10.7759/cureus.52275</a:t>
+            </a:r>
+          </a:p>
+          <a:p>
+            <a:pPr lvl="0" indent="0" marL="0">
+              <a:buNone/>
+            </a:pPr>
+            <a:r>
+              <a:rPr/>
+              <a:t>9. Kunz JV, Spies CD, Bichmann A, Sieg M, Mueller A. Postoperative anaemia might be a risk factor for postoperative delirium and prolonged hospital stay: A secondary analysis of a prospective cohort study. </a:t>
             </a:r>
             <a:r>
               <a:rPr i="1"/>
-              <a:t>The Journal of Arthroplasty</a:t>
-            </a:r>
-            <a:r>
-              <a:rPr/>
-              <a:t>. 2001;16(8):1048-1054. doi:</a:t>
+              <a:t>PloS One</a:t>
+            </a:r>
+            <a:r>
+              <a:rPr/>
+              <a:t>. 2020;15(2):e0229325. doi:</a:t>
             </a:r>
             <a:r>
               <a:rPr>
                 <a:hlinkClick r:id="rId10"/>
-              </a:rPr>
-              <a:t>10.1054/arth.2001.26591</a:t>
-            </a:r>
-          </a:p>
-          <a:p>
-            <a:pPr lvl="0" indent="0" marL="0">
-              <a:buNone/>
-            </a:pPr>
-            <a:r>
-              <a:rPr/>
-              <a:t>8. Mohani MR, Arya N, Ratnani G, Harjpal P, Phansopkar P. Comprehensive Rehabilitation of a Patient With Foot Drop Secondary to Lumbar Canal Stenosis: A Case Report. </a:t>
-            </a:r>
-            <a:r>
-              <a:rPr i="1"/>
-              <a:t>Cureus</a:t>
-            </a:r>
-            <a:r>
-              <a:rPr/>
-              <a:t>. 2024;16(1):e52275. doi:</a:t>
-            </a:r>
-            <a:r>
-              <a:rPr>
-                <a:hlinkClick r:id="rId11"/>
-              </a:rPr>
-              <a:t>10.7759/cureus.52275</a:t>
-            </a:r>
-          </a:p>
-          <a:p>
-            <a:pPr lvl="0" indent="0" marL="0">
-              <a:buNone/>
-            </a:pPr>
-            <a:r>
-              <a:rPr/>
-              <a:t>9. Kunz JV, Spies CD, Bichmann A, Sieg M, Mueller A. Postoperative anaemia might be a risk factor for postoperative delirium and prolonged hospital stay: A secondary analysis of a prospective cohort study. </a:t>
-            </a:r>
-            <a:r>
-              <a:rPr i="1"/>
-              <a:t>PloS One</a:t>
-            </a:r>
-            <a:r>
-              <a:rPr/>
-              <a:t>. 2020;15(2):e0229325. doi:</a:t>
-            </a:r>
-            <a:r>
-              <a:rPr>
-                <a:hlinkClick r:id="rId12"/>
               </a:rPr>
               <a:t>10.1371/journal.pone.0229325</a:t>
             </a:r>
@@ -6107,7 +5806,7 @@
             </a:pPr>
             <a:r>
               <a:rPr/>
-              <a:t>Total Joint Arthroplasty Problems</a:t>
+              <a:t>Causes of failed discharge</a:t>
             </a:r>
           </a:p>
         </p:txBody>
@@ -6127,12 +5826,28 @@
           <a:bodyPr/>
           <a:lstStyle/>
           <a:p>
-            <a:pPr lvl="0" indent="0" marL="0">
-              <a:buNone/>
-            </a:pPr>
-            <a:r>
-              <a:rPr/>
-              <a:t>Post-operative complications can cause inpatient physical therapists to attempt therapy on a patient multiple times or even prevent a patient’s discharge, which causes increased load on the physical therapists and PTAs, physical therapy administration, nursing, orthopedic department, and other aspects of the hospital.</a:t>
+            <a:pPr lvl="0"/>
+            <a:r>
+              <a:rPr/>
+              <a:t>Orthostatic intolerance</a:t>
+            </a:r>
+            <a:r>
+              <a:rPr baseline="30000"/>
+              <a:t>1</a:t>
+            </a:r>
+          </a:p>
+          <a:p>
+            <a:pPr lvl="0"/>
+            <a:r>
+              <a:rPr/>
+              <a:t>Insufficient muscle strength</a:t>
+            </a:r>
+          </a:p>
+          <a:p>
+            <a:pPr lvl="0"/>
+            <a:r>
+              <a:rPr/>
+              <a:t>Poor sensation</a:t>
             </a:r>
           </a:p>
         </p:txBody>
@@ -6143,94 +5858,6 @@
 </file>
 
 <file path=ppt/slides/slide4.xml><?xml version="1.0" encoding="utf-8"?>
-<p:sld xmlns:a="http://schemas.openxmlformats.org/drawingml/2006/main" xmlns:r="http://schemas.openxmlformats.org/officeDocument/2006/relationships" xmlns:p="http://schemas.openxmlformats.org/presentationml/2006/main">
-  <p:cSld>
-    <p:spTree>
-      <p:nvGrpSpPr>
-        <p:cNvPr id="1" name=""/>
-        <p:cNvGrpSpPr/>
-        <p:nvPr/>
-      </p:nvGrpSpPr>
-      <p:grpSpPr>
-        <a:xfrm>
-          <a:off x="0" y="0"/>
-          <a:ext cx="0" cy="0"/>
-          <a:chOff x="0" y="0"/>
-          <a:chExt cx="0" cy="0"/>
-        </a:xfrm>
-      </p:grpSpPr>
-      <p:sp>
-        <p:nvSpPr>
-          <p:cNvPr id="2" name="Title 1"/>
-          <p:cNvSpPr>
-            <a:spLocks noGrp="1"/>
-          </p:cNvSpPr>
-          <p:nvPr>
-            <p:ph type="title"/>
-          </p:nvPr>
-        </p:nvSpPr>
-        <p:spPr/>
-        <p:txBody>
-          <a:bodyPr/>
-          <a:lstStyle/>
-          <a:p>
-            <a:pPr lvl="0" indent="0" marL="0">
-              <a:buNone/>
-            </a:pPr>
-            <a:r>
-              <a:rPr/>
-              <a:t>Causes of failed discharge</a:t>
-            </a:r>
-          </a:p>
-        </p:txBody>
-      </p:sp>
-      <p:sp>
-        <p:nvSpPr>
-          <p:cNvPr id="3" name="Content Placeholder 2"/>
-          <p:cNvSpPr>
-            <a:spLocks noGrp="1"/>
-          </p:cNvSpPr>
-          <p:nvPr>
-            <p:ph idx="1"/>
-          </p:nvPr>
-        </p:nvSpPr>
-        <p:spPr/>
-        <p:txBody>
-          <a:bodyPr/>
-          <a:lstStyle/>
-          <a:p>
-            <a:pPr lvl="0"/>
-            <a:r>
-              <a:rPr/>
-              <a:t>Orthostatic intolerance</a:t>
-            </a:r>
-            <a:r>
-              <a:rPr baseline="30000"/>
-              <a:t>1</a:t>
-            </a:r>
-          </a:p>
-          <a:p>
-            <a:pPr lvl="0"/>
-            <a:r>
-              <a:rPr/>
-              <a:t>Insufficient muscle strength</a:t>
-            </a:r>
-          </a:p>
-          <a:p>
-            <a:pPr lvl="0"/>
-            <a:r>
-              <a:rPr/>
-              <a:t>Poor sensation</a:t>
-            </a:r>
-          </a:p>
-        </p:txBody>
-      </p:sp>
-    </p:spTree>
-  </p:cSld>
-</p:sld>
-</file>
-
-<file path=ppt/slides/slide5.xml><?xml version="1.0" encoding="utf-8"?>
 <p:sld xmlns:a="http://schemas.openxmlformats.org/drawingml/2006/main" xmlns:r="http://schemas.openxmlformats.org/officeDocument/2006/relationships" xmlns:p="http://schemas.openxmlformats.org/presentationml/2006/main">
   <p:cSld>
     <p:spTree>
@@ -6463,6 +6090,433 @@
 </p:sld>
 </file>
 
+<file path=ppt/slides/slide5.xml><?xml version="1.0" encoding="utf-8"?>
+<p:sld xmlns:a="http://schemas.openxmlformats.org/drawingml/2006/main" xmlns:r="http://schemas.openxmlformats.org/officeDocument/2006/relationships" xmlns:p="http://schemas.openxmlformats.org/presentationml/2006/main">
+  <p:cSld>
+    <p:spTree>
+      <p:nvGrpSpPr>
+        <p:cNvPr id="1" name=""/>
+        <p:cNvGrpSpPr/>
+        <p:nvPr/>
+      </p:nvGrpSpPr>
+      <p:grpSpPr>
+        <a:xfrm>
+          <a:off x="0" y="0"/>
+          <a:ext cx="0" cy="0"/>
+          <a:chOff x="0" y="0"/>
+          <a:chExt cx="0" cy="0"/>
+        </a:xfrm>
+      </p:grpSpPr>
+      <p:sp>
+        <p:nvSpPr>
+          <p:cNvPr id="3" name="Content Placeholder 2"/>
+          <p:cNvSpPr>
+            <a:spLocks noGrp="1"/>
+          </p:cNvSpPr>
+          <p:nvPr>
+            <p:ph idx="1"/>
+          </p:nvPr>
+        </p:nvSpPr>
+        <p:spPr/>
+        <p:txBody>
+          <a:bodyPr/>
+          <a:lstStyle/>
+          <a:p>
+            <a:pPr lvl="0" indent="0" marL="0">
+              <a:spcBef>
+                <a:spcPts val="3000"/>
+              </a:spcBef>
+              <a:buNone/>
+            </a:pPr>
+            <a:r>
+              <a:rPr b="1"/>
+              <a:t>Orthostatic Intolerance (OI)</a:t>
+            </a:r>
+          </a:p>
+          <a:p>
+            <a:pPr lvl="0" indent="0" marL="0">
+              <a:buNone/>
+            </a:pPr>
+            <a:r>
+              <a:rPr>
+                <a:hlinkClick r:id="rId2"/>
+              </a:rPr>
+              <a:t>Orthostatic intolerance</a:t>
+            </a:r>
+            <a:r>
+              <a:rPr/>
+              <a:t> is a presentation of symptoms associated with a sitting or standing position including:</a:t>
+            </a:r>
+          </a:p>
+          <a:p>
+            <a:pPr lvl="0"/>
+            <a:r>
+              <a:rPr/>
+              <a:t>Dizziness</a:t>
+            </a:r>
+            <a:r>
+              <a:rPr baseline="30000"/>
+              <a:t>1</a:t>
+            </a:r>
+          </a:p>
+          <a:p>
+            <a:pPr lvl="0"/>
+            <a:r>
+              <a:rPr/>
+              <a:t>Nausea</a:t>
+            </a:r>
+            <a:r>
+              <a:rPr baseline="30000"/>
+              <a:t>1</a:t>
+            </a:r>
+          </a:p>
+          <a:p>
+            <a:pPr lvl="0"/>
+            <a:r>
+              <a:rPr/>
+              <a:t>Vomiting</a:t>
+            </a:r>
+            <a:r>
+              <a:rPr baseline="30000"/>
+              <a:t>1</a:t>
+            </a:r>
+          </a:p>
+          <a:p>
+            <a:pPr lvl="0"/>
+            <a:r>
+              <a:rPr/>
+              <a:t>Blurred vision</a:t>
+            </a:r>
+            <a:r>
+              <a:rPr baseline="30000"/>
+              <a:t>1</a:t>
+            </a:r>
+          </a:p>
+          <a:p>
+            <a:pPr lvl="0"/>
+            <a:r>
+              <a:rPr/>
+              <a:t>Syncope</a:t>
+            </a:r>
+            <a:r>
+              <a:rPr baseline="30000"/>
+              <a:t>1</a:t>
+            </a:r>
+          </a:p>
+          <a:p>
+            <a:pPr lvl="0" indent="0" marL="0">
+              <a:spcBef>
+                <a:spcPts val="3000"/>
+              </a:spcBef>
+              <a:buNone/>
+            </a:pPr>
+            <a:r>
+              <a:rPr b="1"/>
+              <a:t>Patient Presentation</a:t>
+            </a:r>
+          </a:p>
+          <a:p>
+            <a:pPr lvl="0" indent="0" marL="0">
+              <a:buNone/>
+            </a:pPr>
+            <a:r>
+              <a:rPr/>
+              <a:t>On average, most orthostatic events occur within the first 12 hours </a:t>
+            </a:r>
+            <a:r>
+              <a:rPr i="1"/>
+              <a:t>after</a:t>
+            </a:r>
+            <a:r>
+              <a:rPr/>
+              <a:t> the surgical procedure, but can occur up to 48 hours after surgery</a:t>
+            </a:r>
+            <a:r>
+              <a:rPr baseline="30000"/>
+              <a:t>1</a:t>
+            </a:r>
+            <a:r>
+              <a:rPr/>
+              <a:t>.</a:t>
+            </a:r>
+          </a:p>
+          <a:p>
+            <a:pPr lvl="0" indent="0" marL="0">
+              <a:spcBef>
+                <a:spcPts val="3000"/>
+              </a:spcBef>
+              <a:buNone/>
+            </a:pPr>
+            <a:r>
+              <a:rPr b="1"/>
+              <a:t>Etiology</a:t>
+            </a:r>
+          </a:p>
+          <a:p>
+            <a:pPr lvl="0" indent="0" marL="0">
+              <a:buNone/>
+            </a:pPr>
+            <a:r>
+              <a:rPr/>
+              <a:t>The causes of post-op </a:t>
+            </a:r>
+            <a:r>
+              <a:rPr>
+                <a:hlinkClick r:id="rId3"/>
+              </a:rPr>
+              <a:t>orthostatic hypotension</a:t>
+            </a:r>
+            <a:r>
+              <a:rPr/>
+              <a:t> include:</a:t>
+            </a:r>
+          </a:p>
+          <a:p>
+            <a:pPr lvl="0"/>
+            <a:r>
+              <a:rPr/>
+              <a:t>Surgical stress response</a:t>
+            </a:r>
+            <a:r>
+              <a:rPr baseline="30000"/>
+              <a:t>1</a:t>
+            </a:r>
+          </a:p>
+          <a:p>
+            <a:pPr lvl="0"/>
+            <a:r>
+              <a:rPr/>
+              <a:t>Pain-induced</a:t>
+            </a:r>
+            <a:r>
+              <a:rPr baseline="30000"/>
+              <a:t>1</a:t>
+            </a:r>
+          </a:p>
+          <a:p>
+            <a:pPr lvl="0"/>
+            <a:r>
+              <a:rPr/>
+              <a:t>Post-op Opioid administration</a:t>
+            </a:r>
+            <a:r>
+              <a:rPr baseline="30000"/>
+              <a:t>1</a:t>
+            </a:r>
+          </a:p>
+          <a:p>
+            <a:pPr lvl="0"/>
+            <a:r>
+              <a:rPr/>
+              <a:t>Residual effects of Anesthesia</a:t>
+            </a:r>
+            <a:r>
+              <a:rPr baseline="30000"/>
+              <a:t>1</a:t>
+            </a:r>
+          </a:p>
+          <a:p>
+            <a:pPr lvl="0"/>
+            <a:r>
+              <a:rPr/>
+              <a:t>Hypovolemia</a:t>
+            </a:r>
+            <a:r>
+              <a:rPr baseline="30000"/>
+              <a:t>1</a:t>
+            </a:r>
+          </a:p>
+          <a:p>
+            <a:pPr lvl="0"/>
+            <a:r>
+              <a:rPr/>
+              <a:t>Acute anemia</a:t>
+            </a:r>
+            <a:r>
+              <a:rPr baseline="30000"/>
+              <a:t>1</a:t>
+            </a:r>
+          </a:p>
+          <a:p>
+            <a:pPr lvl="0"/>
+            <a:r>
+              <a:rPr/>
+              <a:t>Preexisting Orthostatic Intolerance</a:t>
+            </a:r>
+            <a:r>
+              <a:rPr baseline="30000"/>
+              <a:t>1</a:t>
+            </a:r>
+          </a:p>
+          <a:p>
+            <a:pPr lvl="0" indent="0" marL="0">
+              <a:spcBef>
+                <a:spcPts val="3000"/>
+              </a:spcBef>
+              <a:buNone/>
+            </a:pPr>
+            <a:r>
+              <a:rPr b="1"/>
+              <a:t>Pathophysiology</a:t>
+            </a:r>
+          </a:p>
+          <a:p>
+            <a:pPr lvl="0" indent="0" marL="0">
+              <a:buNone/>
+            </a:pPr>
+            <a:r>
+              <a:rPr/>
+              <a:t>Although there the pathophysiologic mechanism of orthostatic intolerance is not fully understood, there is a widely accepted theorized mechanism of orthostatic intolerance.</a:t>
+            </a:r>
+          </a:p>
+          <a:p>
+            <a:pPr lvl="0" indent="-342900" marL="342900">
+              <a:buAutoNum type="arabicPeriod"/>
+            </a:pPr>
+            <a:r>
+              <a:rPr/>
+              <a:t>Standing up leads to a decrease in blood pressure rostrally and an increase in BP caudally.</a:t>
+            </a:r>
+          </a:p>
+          <a:p>
+            <a:pPr lvl="0" indent="-342900" marL="342900">
+              <a:buAutoNum type="arabicPeriod"/>
+            </a:pPr>
+            <a:r>
+              <a:rPr/>
+              <a:t>The blood shifts below the diaphragm to the venous capacitance system</a:t>
+            </a:r>
+            <a:r>
+              <a:rPr baseline="30000"/>
+              <a:t>3</a:t>
+            </a:r>
+            <a:r>
+              <a:rPr/>
+              <a:t>.</a:t>
+            </a:r>
+          </a:p>
+          <a:p>
+            <a:pPr lvl="0" indent="-342900" marL="342900">
+              <a:buAutoNum type="arabicPeriod"/>
+            </a:pPr>
+            <a:r>
+              <a:rPr/>
+              <a:t>The fluid shift causes a decrease in venous return, ventricular filling, cardiac output, and blood pressure</a:t>
+            </a:r>
+            <a:r>
+              <a:rPr baseline="30000"/>
+              <a:t>3</a:t>
+            </a:r>
+            <a:r>
+              <a:rPr/>
+              <a:t>.</a:t>
+            </a:r>
+          </a:p>
+          <a:p>
+            <a:pPr lvl="0" indent="-342900" marL="342900">
+              <a:buAutoNum type="arabicPeriod"/>
+            </a:pPr>
+            <a:r>
+              <a:rPr/>
+              <a:t>This gravity-induced BP change is sensed by arterial baroreceptors in the aortic arch and carotid sinus</a:t>
+            </a:r>
+            <a:r>
+              <a:rPr baseline="30000"/>
+              <a:t>3</a:t>
+            </a:r>
+            <a:r>
+              <a:rPr/>
+              <a:t>.</a:t>
+            </a:r>
+          </a:p>
+          <a:p>
+            <a:pPr lvl="0" indent="-342900" marL="342900">
+              <a:buAutoNum type="arabicPeriod"/>
+            </a:pPr>
+            <a:r>
+              <a:rPr/>
+              <a:t>The body dysfunctionally has a diminished vasopressor response and absent baroreflex to these pressure changes</a:t>
+            </a:r>
+            <a:r>
+              <a:rPr baseline="30000"/>
+              <a:t>1</a:t>
+            </a:r>
+            <a:r>
+              <a:rPr/>
+              <a:t>.</a:t>
+            </a:r>
+          </a:p>
+          <a:p>
+            <a:pPr lvl="0" indent="-342900" marL="342900">
+              <a:buAutoNum type="arabicPeriod"/>
+            </a:pPr>
+            <a:r>
+              <a:rPr/>
+              <a:t>Due to the diminished autonomic response, the rostral blood pressure decreases.</a:t>
+            </a:r>
+          </a:p>
+          <a:p>
+            <a:pPr lvl="0" indent="-342900" marL="342900">
+              <a:buAutoNum type="arabicPeriod"/>
+            </a:pPr>
+            <a:r>
+              <a:rPr/>
+              <a:t>Decreased rostral blood pressure results in cerebral hypoperfusion</a:t>
+            </a:r>
+            <a:r>
+              <a:rPr baseline="30000"/>
+              <a:t>1</a:t>
+            </a:r>
+            <a:r>
+              <a:rPr/>
+              <a:t>.</a:t>
+            </a:r>
+          </a:p>
+          <a:p>
+            <a:pPr lvl="0" indent="-342900" marL="342900">
+              <a:buAutoNum type="arabicPeriod"/>
+            </a:pPr>
+            <a:r>
+              <a:rPr/>
+              <a:t>Cerebral hypoperfusion can result in the syndrome of symptoms known as orthostatic intolerance</a:t>
+            </a:r>
+            <a:r>
+              <a:rPr baseline="30000"/>
+              <a:t>1</a:t>
+            </a:r>
+            <a:r>
+              <a:rPr/>
+              <a:t>.</a:t>
+            </a:r>
+          </a:p>
+          <a:p>
+            <a:pPr lvl="0" indent="0" marL="0">
+              <a:spcBef>
+                <a:spcPts val="3000"/>
+              </a:spcBef>
+              <a:buNone/>
+            </a:pPr>
+            <a:r>
+              <a:rPr b="1"/>
+              <a:t>Risk factors</a:t>
+            </a:r>
+          </a:p>
+          <a:p>
+            <a:pPr lvl="0" indent="0" marL="0">
+              <a:buNone/>
+            </a:pPr>
+            <a:r>
+              <a:rPr/>
+              <a:t>Patients in these groups had statistically significantly higher rates of OI:</a:t>
+            </a:r>
+          </a:p>
+        </p:txBody>
+      </p:sp>
+    </p:spTree>
+  </p:cSld>
+</p:sld>
+</file>
+
 <file path=ppt/slides/slide6.xml><?xml version="1.0" encoding="utf-8"?>
 <p:sld xmlns:a="http://schemas.openxmlformats.org/drawingml/2006/main" xmlns:r="http://schemas.openxmlformats.org/officeDocument/2006/relationships" xmlns:p="http://schemas.openxmlformats.org/presentationml/2006/main">
   <p:cSld>
@@ -6487,45 +6541,27 @@
             <a:spLocks noGrp="1"/>
           </p:cNvSpPr>
           <p:nvPr>
-            <p:ph idx="1"/>
-          </p:nvPr>
-        </p:nvSpPr>
-        <p:spPr/>
-        <p:txBody>
-          <a:bodyPr/>
-          <a:lstStyle/>
-          <a:p>
-            <a:pPr lvl="0" indent="0" marL="0">
-              <a:spcBef>
-                <a:spcPts val="3000"/>
-              </a:spcBef>
-              <a:buNone/>
-            </a:pPr>
-            <a:r>
-              <a:rPr b="1"/>
-              <a:t>Orthostatic Intolerance (OI)</a:t>
-            </a:r>
-          </a:p>
-          <a:p>
-            <a:pPr lvl="0" indent="0" marL="0">
-              <a:buNone/>
-            </a:pPr>
-            <a:r>
-              <a:rPr>
-                <a:hlinkClick r:id="rId2"/>
-              </a:rPr>
-              <a:t>Orthostatic intolerance</a:t>
-            </a:r>
-            <a:r>
-              <a:rPr/>
-              <a:t> is a presentation of symptoms associated with a sitting or standing position including:</a:t>
-            </a:r>
-          </a:p>
-          <a:p>
-            <a:pPr lvl="0"/>
-            <a:r>
-              <a:rPr/>
-              <a:t>Dizziness</a:t>
+            <p:ph idx="1" sz="half"/>
+          </p:nvPr>
+        </p:nvSpPr>
+        <p:spPr/>
+        <p:txBody>
+          <a:bodyPr/>
+          <a:lstStyle/>
+          <a:p>
+            <a:pPr lvl="0" indent="0" marL="0">
+              <a:buNone/>
+            </a:pPr>
+            <a:r>
+              <a:rPr/>
+              <a:t>Pre-op factors</a:t>
+            </a:r>
+          </a:p>
+          <a:p>
+            <a:pPr lvl="0"/>
+            <a:r>
+              <a:rPr/>
+              <a:t>Older age</a:t>
             </a:r>
             <a:r>
               <a:rPr baseline="30000"/>
@@ -6536,7 +6572,7 @@
             <a:pPr lvl="0"/>
             <a:r>
               <a:rPr/>
-              <a:t>Nausea</a:t>
+              <a:t>Female</a:t>
             </a:r>
             <a:r>
               <a:rPr baseline="30000"/>
@@ -6547,7 +6583,7 @@
             <a:pPr lvl="0"/>
             <a:r>
               <a:rPr/>
-              <a:t>Vomiting</a:t>
+              <a:t>THA &gt; TKA or UKA</a:t>
             </a:r>
             <a:r>
               <a:rPr baseline="30000"/>
@@ -6558,7 +6594,7 @@
             <a:pPr lvl="0"/>
             <a:r>
               <a:rPr/>
-              <a:t>Blurred vision</a:t>
+              <a:t>Non-recreational drug users</a:t>
             </a:r>
             <a:r>
               <a:rPr baseline="30000"/>
@@ -6569,318 +6605,75 @@
             <a:pPr lvl="0"/>
             <a:r>
               <a:rPr/>
-              <a:t>Syncope</a:t>
+              <a:t>Lower preoperative diastolic BP</a:t>
             </a:r>
             <a:r>
               <a:rPr baseline="30000"/>
               <a:t>1</a:t>
             </a:r>
           </a:p>
-          <a:p>
-            <a:pPr lvl="0" indent="0" marL="0">
-              <a:spcBef>
-                <a:spcPts val="3000"/>
-              </a:spcBef>
-              <a:buNone/>
-            </a:pPr>
-            <a:r>
-              <a:rPr b="1"/>
-              <a:t>Patient Presentation</a:t>
-            </a:r>
-          </a:p>
-          <a:p>
-            <a:pPr lvl="0" indent="0" marL="0">
-              <a:buNone/>
-            </a:pPr>
-            <a:r>
-              <a:rPr/>
-              <a:t>On average, most orthostatic events occur within the first 12 hours </a:t>
-            </a:r>
-            <a:r>
-              <a:rPr i="1"/>
-              <a:t>after</a:t>
-            </a:r>
-            <a:r>
-              <a:rPr/>
-              <a:t> the surgical procedure, but can occur up to 48 hours after surgery</a:t>
+        </p:txBody>
+      </p:sp>
+      <p:sp>
+        <p:nvSpPr>
+          <p:cNvPr id="4" name="Content Placeholder 3"/>
+          <p:cNvSpPr>
+            <a:spLocks noGrp="1"/>
+          </p:cNvSpPr>
+          <p:nvPr>
+            <p:ph idx="2" sz="half"/>
+          </p:nvPr>
+        </p:nvSpPr>
+        <p:spPr/>
+        <p:txBody>
+          <a:bodyPr/>
+          <a:lstStyle/>
+          <a:p>
+            <a:pPr lvl="0" indent="0" marL="0">
+              <a:buNone/>
+            </a:pPr>
+            <a:r>
+              <a:rPr/>
+              <a:t>Perioperative factors</a:t>
+            </a:r>
+          </a:p>
+          <a:p>
+            <a:pPr lvl="0"/>
+            <a:r>
+              <a:rPr/>
+              <a:t>Spinal +/- monitored anesthesia care &gt; General +/- spinal</a:t>
             </a:r>
             <a:r>
               <a:rPr baseline="30000"/>
               <a:t>1</a:t>
             </a:r>
-            <a:r>
-              <a:rPr/>
-              <a:t>.</a:t>
-            </a:r>
-          </a:p>
-          <a:p>
-            <a:pPr lvl="0" indent="0" marL="0">
-              <a:spcBef>
-                <a:spcPts val="3000"/>
-              </a:spcBef>
-              <a:buNone/>
-            </a:pPr>
-            <a:r>
-              <a:rPr b="1"/>
-              <a:t>Etiology</a:t>
-            </a:r>
-          </a:p>
-          <a:p>
-            <a:pPr lvl="0" indent="0" marL="0">
-              <a:buNone/>
-            </a:pPr>
-            <a:r>
-              <a:rPr/>
-              <a:t>The causes of post-op </a:t>
-            </a:r>
-            <a:r>
-              <a:rPr>
-                <a:hlinkClick r:id="rId3"/>
-              </a:rPr>
-              <a:t>orthostatic hypotension</a:t>
-            </a:r>
-            <a:r>
-              <a:rPr/>
-              <a:t> include:</a:t>
-            </a:r>
-          </a:p>
-          <a:p>
-            <a:pPr lvl="0"/>
-            <a:r>
-              <a:rPr/>
-              <a:t>Surgical stress response</a:t>
-            </a:r>
-            <a:r>
-              <a:rPr baseline="30000"/>
-              <a:t>1</a:t>
-            </a:r>
-          </a:p>
-          <a:p>
-            <a:pPr lvl="0"/>
-            <a:r>
-              <a:rPr/>
-              <a:t>Pain-induced</a:t>
-            </a:r>
-            <a:r>
-              <a:rPr baseline="30000"/>
-              <a:t>1</a:t>
-            </a:r>
-          </a:p>
-          <a:p>
-            <a:pPr lvl="0"/>
-            <a:r>
-              <a:rPr/>
-              <a:t>Post-op Opioid administration</a:t>
-            </a:r>
-            <a:r>
-              <a:rPr baseline="30000"/>
-              <a:t>1</a:t>
-            </a:r>
-          </a:p>
-          <a:p>
-            <a:pPr lvl="0"/>
-            <a:r>
-              <a:rPr/>
-              <a:t>Residual effects of Anesthesia</a:t>
-            </a:r>
-            <a:r>
-              <a:rPr baseline="30000"/>
-              <a:t>1</a:t>
-            </a:r>
-          </a:p>
-          <a:p>
-            <a:pPr lvl="0"/>
-            <a:r>
-              <a:rPr/>
-              <a:t>Hypovolemia</a:t>
-            </a:r>
-            <a:r>
-              <a:rPr baseline="30000"/>
-              <a:t>1</a:t>
-            </a:r>
-          </a:p>
-          <a:p>
-            <a:pPr lvl="0"/>
-            <a:r>
-              <a:rPr/>
-              <a:t>Acute anemia</a:t>
-            </a:r>
-            <a:r>
-              <a:rPr baseline="30000"/>
-              <a:t>1</a:t>
-            </a:r>
-          </a:p>
-          <a:p>
-            <a:pPr lvl="0"/>
-            <a:r>
-              <a:rPr/>
-              <a:t>Preexisting Orthostatic Intolerance</a:t>
-            </a:r>
-            <a:r>
-              <a:rPr baseline="30000"/>
-              <a:t>1</a:t>
-            </a:r>
-          </a:p>
-          <a:p>
-            <a:pPr lvl="0" indent="0" marL="0">
-              <a:spcBef>
-                <a:spcPts val="3000"/>
-              </a:spcBef>
-              <a:buNone/>
-            </a:pPr>
-            <a:r>
-              <a:rPr b="1"/>
-              <a:t>Pathophysiology</a:t>
-            </a:r>
-          </a:p>
-          <a:p>
-            <a:pPr lvl="0" indent="0" marL="0">
-              <a:buNone/>
-            </a:pPr>
-            <a:r>
-              <a:rPr/>
-              <a:t>Although there the pathophysiologic mechanism of orthostatic intolerance is not fully understood, there is a widely accepted theorized mechanism of orthostatic intolerance.</a:t>
-            </a:r>
-          </a:p>
-          <a:p>
-            <a:pPr lvl="0" indent="-342900" marL="342900">
-              <a:buAutoNum type="arabicPeriod"/>
-            </a:pPr>
-            <a:r>
-              <a:rPr/>
-              <a:t>Standing up leads to a decrease in blood pressure rostrally and an increase in BP caudally.</a:t>
-            </a:r>
-          </a:p>
-          <a:p>
-            <a:pPr lvl="0" indent="-342900" marL="342900">
-              <a:buAutoNum type="arabicPeriod"/>
-            </a:pPr>
-            <a:r>
-              <a:rPr/>
-              <a:t>The blood shifts below the diaphragm to the venous capacitance system</a:t>
-            </a:r>
-            <a:r>
-              <a:rPr baseline="30000"/>
-              <a:t>3</a:t>
-            </a:r>
-            <a:r>
-              <a:rPr/>
-              <a:t>.</a:t>
-            </a:r>
-          </a:p>
-          <a:p>
-            <a:pPr lvl="0" indent="-342900" marL="342900">
-              <a:buAutoNum type="arabicPeriod"/>
-            </a:pPr>
-            <a:r>
-              <a:rPr/>
-              <a:t>The fluid shift causes a decrease in venous return, ventricular filling, cardiac output, and blood pressure</a:t>
-            </a:r>
-            <a:r>
-              <a:rPr baseline="30000"/>
-              <a:t>3</a:t>
-            </a:r>
-            <a:r>
-              <a:rPr/>
-              <a:t>.</a:t>
-            </a:r>
-          </a:p>
-          <a:p>
-            <a:pPr lvl="0" indent="-342900" marL="342900">
-              <a:buAutoNum type="arabicPeriod"/>
-            </a:pPr>
-            <a:r>
-              <a:rPr/>
-              <a:t>This gravity-induced BP change is sensed by arterial baroreceptors in the aortic arch and carotid sinus</a:t>
-            </a:r>
-            <a:r>
-              <a:rPr baseline="30000"/>
-              <a:t>3</a:t>
-            </a:r>
-            <a:r>
-              <a:rPr/>
-              <a:t>.</a:t>
-            </a:r>
-          </a:p>
-          <a:p>
-            <a:pPr lvl="0" indent="-342900" marL="342900">
-              <a:buAutoNum type="arabicPeriod"/>
-            </a:pPr>
-            <a:r>
-              <a:rPr/>
-              <a:t>The body dysfunctionally has a diminished vasopressor response and absent baroreflex to these pressure changes</a:t>
-            </a:r>
-            <a:r>
-              <a:rPr baseline="30000"/>
-              <a:t>1</a:t>
-            </a:r>
-            <a:r>
-              <a:rPr/>
-              <a:t>.</a:t>
-            </a:r>
-          </a:p>
-          <a:p>
-            <a:pPr lvl="0" indent="-342900" marL="342900">
-              <a:buAutoNum type="arabicPeriod"/>
-            </a:pPr>
-            <a:r>
-              <a:rPr/>
-              <a:t>Due to the diminished autonomic response, the rostral blood pressure decreases.</a:t>
-            </a:r>
-          </a:p>
-          <a:p>
-            <a:pPr lvl="0" indent="-342900" marL="342900">
-              <a:buAutoNum type="arabicPeriod"/>
-            </a:pPr>
-            <a:r>
-              <a:rPr/>
-              <a:t>Decreased rostral blood pressure results in cerebral hypoperfusion</a:t>
-            </a:r>
-            <a:r>
-              <a:rPr baseline="30000"/>
-              <a:t>1</a:t>
-            </a:r>
-            <a:r>
-              <a:rPr/>
-              <a:t>.</a:t>
-            </a:r>
-          </a:p>
-          <a:p>
-            <a:pPr lvl="0" indent="-342900" marL="342900">
-              <a:buAutoNum type="arabicPeriod"/>
-            </a:pPr>
-            <a:r>
-              <a:rPr/>
-              <a:t>Cerebral hypoperfusion can result in the syndrome of symptoms known as orthostatic intolerance</a:t>
-            </a:r>
-            <a:r>
-              <a:rPr baseline="30000"/>
-              <a:t>1</a:t>
-            </a:r>
-            <a:r>
-              <a:rPr/>
-              <a:t>.</a:t>
-            </a:r>
-          </a:p>
-          <a:p>
-            <a:pPr lvl="0" indent="0" marL="0">
-              <a:spcBef>
-                <a:spcPts val="3000"/>
-              </a:spcBef>
-              <a:buNone/>
-            </a:pPr>
-            <a:r>
-              <a:rPr b="1"/>
-              <a:t>Risk factors</a:t>
-            </a:r>
-          </a:p>
-          <a:p>
-            <a:pPr lvl="0" indent="0" marL="0">
-              <a:buNone/>
-            </a:pPr>
-            <a:r>
-              <a:rPr/>
-              <a:t>Patients in these groups had statistically significantly higher rates of OI:</a:t>
+          </a:p>
+          <a:p>
+            <a:pPr lvl="0"/>
+            <a:r>
+              <a:rPr/>
+              <a:t>Tramadol use</a:t>
+            </a:r>
+          </a:p>
+          <a:p>
+            <a:pPr lvl="0"/>
+            <a:r>
+              <a:rPr/>
+              <a:t>No oxycodone use</a:t>
+            </a:r>
+          </a:p>
+          <a:p>
+            <a:pPr lvl="0"/>
+            <a:r>
+              <a:rPr/>
+              <a:t>Increased PACU IVF</a:t>
+            </a:r>
+          </a:p>
+          <a:p>
+            <a:pPr lvl="0"/>
+            <a:r>
+              <a:rPr/>
+              <a:t>Lower PACU Hgb</a:t>
             </a:r>
           </a:p>
         </p:txBody>
@@ -6914,27 +6707,39 @@
             <a:spLocks noGrp="1"/>
           </p:cNvSpPr>
           <p:nvPr>
-            <p:ph idx="1" sz="half"/>
-          </p:nvPr>
-        </p:nvSpPr>
-        <p:spPr/>
-        <p:txBody>
-          <a:bodyPr/>
-          <a:lstStyle/>
-          <a:p>
-            <a:pPr lvl="0" indent="0" marL="0">
-              <a:buNone/>
-            </a:pPr>
-            <a:r>
-              <a:rPr/>
-              <a:t>Pre-op factors</a:t>
-            </a:r>
-          </a:p>
-          <a:p>
-            <a:pPr lvl="0"/>
-            <a:r>
-              <a:rPr/>
-              <a:t>Older age</a:t>
+            <p:ph idx="1"/>
+          </p:nvPr>
+        </p:nvSpPr>
+        <p:spPr/>
+        <p:txBody>
+          <a:bodyPr/>
+          <a:lstStyle/>
+          <a:p>
+            <a:pPr lvl="0" indent="0" marL="0">
+              <a:spcBef>
+                <a:spcPts val="3000"/>
+              </a:spcBef>
+              <a:buNone/>
+            </a:pPr>
+            <a:r>
+              <a:rPr b="1"/>
+              <a:t>Multivariable analysis</a:t>
+            </a:r>
+          </a:p>
+          <a:p>
+            <a:pPr lvl="0" indent="0" marL="0">
+              <a:buNone/>
+            </a:pPr>
+            <a:r>
+              <a:rPr/>
+              <a:t>When the above differences were examined using a multivariable analysis, only 4 items were found to significantly impact the odds of having orthostatic intolerance:</a:t>
+            </a:r>
+          </a:p>
+          <a:p>
+            <a:pPr lvl="0"/>
+            <a:r>
+              <a:rPr/>
+              <a:t>Female gender (4.19 OR)</a:t>
             </a:r>
             <a:r>
               <a:rPr baseline="30000"/>
@@ -6945,7 +6750,7 @@
             <a:pPr lvl="0"/>
             <a:r>
               <a:rPr/>
-              <a:t>Female</a:t>
+              <a:t>THA surgery (vs TKA) (4.86 OR)</a:t>
             </a:r>
             <a:r>
               <a:rPr baseline="30000"/>
@@ -6956,97 +6761,51 @@
             <a:pPr lvl="0"/>
             <a:r>
               <a:rPr/>
-              <a:t>THA &gt; TKA or UKA</a:t>
+              <a:t>Spinal + MAC anesthesia 2.35 OR (compared to spinal + general)</a:t>
             </a:r>
             <a:r>
               <a:rPr baseline="30000"/>
               <a:t>1</a:t>
             </a:r>
-          </a:p>
-          <a:p>
-            <a:pPr lvl="0"/>
-            <a:r>
-              <a:rPr/>
-              <a:t>Non-recreational drug users</a:t>
+            <a:r>
+              <a:rPr/>
+              <a:t>.</a:t>
+            </a:r>
+          </a:p>
+          <a:p>
+            <a:pPr lvl="0"/>
+            <a:r>
+              <a:rPr/>
+              <a:t>Bupivacaine spinal medication 1.79 OR (compared to Ropivacaine)</a:t>
             </a:r>
             <a:r>
               <a:rPr baseline="30000"/>
               <a:t>1</a:t>
             </a:r>
-          </a:p>
-          <a:p>
-            <a:pPr lvl="0"/>
-            <a:r>
-              <a:rPr/>
-              <a:t>Lower preoperative diastolic BP</a:t>
-            </a:r>
-            <a:r>
-              <a:rPr baseline="30000"/>
-              <a:t>1</a:t>
-            </a:r>
-          </a:p>
-        </p:txBody>
-      </p:sp>
-      <p:sp>
-        <p:nvSpPr>
-          <p:cNvPr id="4" name="Content Placeholder 3"/>
-          <p:cNvSpPr>
-            <a:spLocks noGrp="1"/>
-          </p:cNvSpPr>
-          <p:nvPr>
-            <p:ph idx="2" sz="half"/>
-          </p:nvPr>
-        </p:nvSpPr>
-        <p:spPr/>
-        <p:txBody>
-          <a:bodyPr/>
-          <a:lstStyle/>
-          <a:p>
-            <a:pPr lvl="0" indent="0" marL="0">
-              <a:buNone/>
-            </a:pPr>
-            <a:r>
-              <a:rPr/>
-              <a:t>Perioperative factors</a:t>
-            </a:r>
-          </a:p>
-          <a:p>
-            <a:pPr lvl="0"/>
-            <a:r>
-              <a:rPr/>
-              <a:t>Spinal +/- monitored anesthesia care &gt; General +/- spinal</a:t>
-            </a:r>
-            <a:r>
-              <a:rPr baseline="30000"/>
-              <a:t>1</a:t>
-            </a:r>
-          </a:p>
-          <a:p>
-            <a:pPr lvl="0"/>
-            <a:r>
-              <a:rPr/>
-              <a:t>Tramadol use</a:t>
-            </a:r>
-          </a:p>
-          <a:p>
-            <a:pPr lvl="0"/>
-            <a:r>
-              <a:rPr/>
-              <a:t>No oxycodone use</a:t>
-            </a:r>
-          </a:p>
-          <a:p>
-            <a:pPr lvl="0"/>
-            <a:r>
-              <a:rPr/>
-              <a:t>Increased PACU IVF</a:t>
-            </a:r>
-          </a:p>
-          <a:p>
-            <a:pPr lvl="0"/>
-            <a:r>
-              <a:rPr/>
-              <a:t>Lower PACU Hgb</a:t>
+            <a:r>
+              <a:rPr/>
+              <a:t>.</a:t>
+            </a:r>
+          </a:p>
+          <a:p>
+            <a:pPr lvl="0" indent="0" marL="0">
+              <a:spcBef>
+                <a:spcPts val="3000"/>
+              </a:spcBef>
+              <a:buNone/>
+            </a:pPr>
+            <a:r>
+              <a:rPr b="1"/>
+              <a:t>Pharmacological management</a:t>
+            </a:r>
+          </a:p>
+          <a:p>
+            <a:pPr lvl="0" indent="0" marL="0">
+              <a:buNone/>
+            </a:pPr>
+            <a:r>
+              <a:rPr/>
+              <a:t>There are pharmacological measures that prevent orthostatic hypotension</a:t>
             </a:r>
           </a:p>
         </p:txBody>
@@ -7080,105 +6839,89 @@
             <a:spLocks noGrp="1"/>
           </p:cNvSpPr>
           <p:nvPr>
-            <p:ph idx="1"/>
-          </p:nvPr>
-        </p:nvSpPr>
-        <p:spPr/>
-        <p:txBody>
-          <a:bodyPr/>
-          <a:lstStyle/>
-          <a:p>
-            <a:pPr lvl="0" indent="0" marL="0">
-              <a:spcBef>
-                <a:spcPts val="3000"/>
-              </a:spcBef>
-              <a:buNone/>
-            </a:pPr>
-            <a:r>
-              <a:rPr b="1"/>
-              <a:t>Multivariable analysis</a:t>
-            </a:r>
-          </a:p>
-          <a:p>
-            <a:pPr lvl="0" indent="0" marL="0">
-              <a:buNone/>
-            </a:pPr>
-            <a:r>
-              <a:rPr/>
-              <a:t>When the above differences were examined using a multivariable analysis, only 4 items were found to significantly impact the odds of having orthostatic intolerance:</a:t>
-            </a:r>
-          </a:p>
-          <a:p>
-            <a:pPr lvl="0"/>
-            <a:r>
-              <a:rPr/>
-              <a:t>Female gender (4.19 OR)</a:t>
-            </a:r>
-            <a:r>
-              <a:rPr baseline="30000"/>
-              <a:t>1</a:t>
-            </a:r>
-          </a:p>
-          <a:p>
-            <a:pPr lvl="0"/>
-            <a:r>
-              <a:rPr/>
-              <a:t>THA surgery (vs TKA) (4.86 OR)</a:t>
-            </a:r>
-            <a:r>
-              <a:rPr baseline="30000"/>
-              <a:t>1</a:t>
-            </a:r>
-          </a:p>
-          <a:p>
-            <a:pPr lvl="0"/>
-            <a:r>
-              <a:rPr/>
-              <a:t>Spinal + MAC anesthesia 2.35 OR (compared to spinal + general)</a:t>
-            </a:r>
-            <a:r>
-              <a:rPr baseline="30000"/>
-              <a:t>1</a:t>
-            </a:r>
-            <a:r>
-              <a:rPr/>
-              <a:t>.</a:t>
-            </a:r>
-          </a:p>
-          <a:p>
-            <a:pPr lvl="0"/>
-            <a:r>
-              <a:rPr/>
-              <a:t>Bupivacaine spinal medication 1.79 OR (compared to Ropivacaine)</a:t>
-            </a:r>
-            <a:r>
-              <a:rPr baseline="30000"/>
-              <a:t>1</a:t>
-            </a:r>
-            <a:r>
-              <a:rPr/>
-              <a:t>.</a:t>
-            </a:r>
-          </a:p>
-          <a:p>
-            <a:pPr lvl="0" indent="0" marL="0">
-              <a:spcBef>
-                <a:spcPts val="3000"/>
-              </a:spcBef>
-              <a:buNone/>
-            </a:pPr>
-            <a:r>
-              <a:rPr b="1"/>
-              <a:t>Pharmacological management</a:t>
-            </a:r>
-          </a:p>
-          <a:p>
-            <a:pPr lvl="0" indent="0" marL="0">
-              <a:buNone/>
-            </a:pPr>
-            <a:r>
-              <a:rPr/>
-              <a:t>There are pharmacological measures that prevent orthostatic hypotension</a:t>
+            <p:ph idx="1" sz="half"/>
+          </p:nvPr>
+        </p:nvSpPr>
+        <p:spPr/>
+        <p:txBody>
+          <a:bodyPr/>
+          <a:lstStyle/>
+          <a:p>
+            <a:pPr lvl="0" indent="0" marL="0">
+              <a:buNone/>
+            </a:pPr>
+            <a:r>
+              <a:rPr/>
+              <a:t>Benefits</a:t>
+            </a:r>
+          </a:p>
+          <a:p>
+            <a:pPr lvl="0"/>
+            <a:r>
+              <a:rPr/>
+              <a:t>Prevent orthostatic hypotension</a:t>
+            </a:r>
+            <a:r>
+              <a:rPr baseline="30000"/>
+              <a:t>4</a:t>
+            </a:r>
+          </a:p>
+        </p:txBody>
+      </p:sp>
+      <p:sp>
+        <p:nvSpPr>
+          <p:cNvPr id="4" name="Content Placeholder 3"/>
+          <p:cNvSpPr>
+            <a:spLocks noGrp="1"/>
+          </p:cNvSpPr>
+          <p:nvPr>
+            <p:ph idx="2" sz="half"/>
+          </p:nvPr>
+        </p:nvSpPr>
+        <p:spPr/>
+        <p:txBody>
+          <a:bodyPr/>
+          <a:lstStyle/>
+          <a:p>
+            <a:pPr lvl="0" indent="0" marL="0">
+              <a:buNone/>
+            </a:pPr>
+            <a:r>
+              <a:rPr/>
+              <a:t>Negatives</a:t>
+            </a:r>
+          </a:p>
+          <a:p>
+            <a:pPr lvl="0"/>
+            <a:r>
+              <a:rPr/>
+              <a:t>Supine hypertension</a:t>
+            </a:r>
+            <a:r>
+              <a:rPr baseline="30000"/>
+              <a:t>4</a:t>
+            </a:r>
+          </a:p>
+          <a:p>
+            <a:pPr lvl="0"/>
+            <a:r>
+              <a:rPr/>
+              <a:t>Ventricular hypertrophy</a:t>
+            </a:r>
+            <a:r>
+              <a:rPr baseline="30000"/>
+              <a:t>4</a:t>
+            </a:r>
+          </a:p>
+          <a:p>
+            <a:pPr lvl="0"/>
+            <a:r>
+              <a:rPr/>
+              <a:t>Other cardiac effects</a:t>
+            </a:r>
+            <a:r>
+              <a:rPr baseline="30000"/>
+              <a:t>4</a:t>
             </a:r>
           </a:p>
         </p:txBody>
@@ -7212,89 +6955,40 @@
             <a:spLocks noGrp="1"/>
           </p:cNvSpPr>
           <p:nvPr>
-            <p:ph idx="1" sz="half"/>
-          </p:nvPr>
-        </p:nvSpPr>
-        <p:spPr/>
-        <p:txBody>
-          <a:bodyPr/>
-          <a:lstStyle/>
-          <a:p>
-            <a:pPr lvl="0" indent="0" marL="0">
-              <a:buNone/>
-            </a:pPr>
-            <a:r>
-              <a:rPr/>
-              <a:t>Benefits</a:t>
-            </a:r>
-          </a:p>
-          <a:p>
-            <a:pPr lvl="0"/>
-            <a:r>
-              <a:rPr/>
-              <a:t>Prevent orthostatic hypotension</a:t>
-            </a:r>
-            <a:r>
-              <a:rPr baseline="30000"/>
-              <a:t>4</a:t>
-            </a:r>
-          </a:p>
-        </p:txBody>
-      </p:sp>
-      <p:sp>
-        <p:nvSpPr>
-          <p:cNvPr id="4" name="Content Placeholder 3"/>
-          <p:cNvSpPr>
-            <a:spLocks noGrp="1"/>
-          </p:cNvSpPr>
-          <p:nvPr>
-            <p:ph idx="2" sz="half"/>
-          </p:nvPr>
-        </p:nvSpPr>
-        <p:spPr/>
-        <p:txBody>
-          <a:bodyPr/>
-          <a:lstStyle/>
-          <a:p>
-            <a:pPr lvl="0" indent="0" marL="0">
-              <a:buNone/>
-            </a:pPr>
-            <a:r>
-              <a:rPr/>
-              <a:t>Negatives</a:t>
-            </a:r>
-          </a:p>
-          <a:p>
-            <a:pPr lvl="0"/>
-            <a:r>
-              <a:rPr/>
-              <a:t>Supine hypertension</a:t>
-            </a:r>
-            <a:r>
-              <a:rPr baseline="30000"/>
-              <a:t>4</a:t>
-            </a:r>
-          </a:p>
-          <a:p>
-            <a:pPr lvl="0"/>
-            <a:r>
-              <a:rPr/>
-              <a:t>Ventricular hypertrophy</a:t>
-            </a:r>
-            <a:r>
-              <a:rPr baseline="30000"/>
-              <a:t>4</a:t>
-            </a:r>
-          </a:p>
-          <a:p>
-            <a:pPr lvl="0"/>
-            <a:r>
-              <a:rPr/>
-              <a:t>Other cardiac effects</a:t>
-            </a:r>
-            <a:r>
-              <a:rPr baseline="30000"/>
-              <a:t>4</a:t>
+            <p:ph idx="1"/>
+          </p:nvPr>
+        </p:nvSpPr>
+        <p:spPr/>
+        <p:txBody>
+          <a:bodyPr/>
+          <a:lstStyle/>
+          <a:p>
+            <a:pPr lvl="0" indent="0" marL="0">
+              <a:spcBef>
+                <a:spcPts val="3000"/>
+              </a:spcBef>
+              <a:buNone/>
+            </a:pPr>
+            <a:r>
+              <a:rPr b="1"/>
+              <a:t>Hydration</a:t>
+            </a:r>
+          </a:p>
+          <a:p>
+            <a:pPr lvl="0" indent="0" marL="0">
+              <a:buNone/>
+            </a:pPr>
+            <a:r>
+              <a:rPr/>
+              <a:t>Drinking 16-oz of cold water can improve OH and related symptoms by expanding the plasma volume</a:t>
+            </a:r>
+            <a:r>
+              <a:rPr baseline="30000"/>
+              <a:t>3</a:t>
+            </a:r>
+            <a:r>
+              <a:rPr/>
+              <a:t>.</a:t>
             </a:r>
           </a:p>
         </p:txBody>
